--- a/parcial 1/practica 2.pptx
+++ b/parcial 1/practica 2.pptx
@@ -6,12 +6,16 @@
   </p:sldMasterIdLst>
   <p:sldIdLst>
     <p:sldId id="257" r:id="rId2"/>
-    <p:sldId id="261" r:id="rId3"/>
-    <p:sldId id="256" r:id="rId4"/>
-    <p:sldId id="258" r:id="rId5"/>
-    <p:sldId id="259" r:id="rId6"/>
-    <p:sldId id="260" r:id="rId7"/>
-    <p:sldId id="262" r:id="rId8"/>
+    <p:sldId id="266" r:id="rId3"/>
+    <p:sldId id="261" r:id="rId4"/>
+    <p:sldId id="265" r:id="rId5"/>
+    <p:sldId id="256" r:id="rId6"/>
+    <p:sldId id="258" r:id="rId7"/>
+    <p:sldId id="259" r:id="rId8"/>
+    <p:sldId id="263" r:id="rId9"/>
+    <p:sldId id="264" r:id="rId10"/>
+    <p:sldId id="260" r:id="rId11"/>
+    <p:sldId id="262" r:id="rId12"/>
   </p:sldIdLst>
   <p:sldSz cx="12192000" cy="6858000"/>
   <p:notesSz cx="6858000" cy="9144000"/>
@@ -110,7 +114,52 @@
       </a:defRPr>
     </a:lvl9pPr>
   </p:defaultTextStyle>
+  <p:extLst>
+    <p:ext uri="{EFAFB233-063F-42B5-8137-9DF3F51BA10A}">
+      <p15:sldGuideLst xmlns:p15="http://schemas.microsoft.com/office/powerpoint/2012/main"/>
+    </p:ext>
+  </p:extLst>
 </p:presentation>
+</file>
+
+<file path=ppt/commentAuthors.xml><?xml version="1.0" encoding="utf-8"?>
+<p:cmAuthorLst xmlns:a="http://schemas.openxmlformats.org/drawingml/2006/main" xmlns:r="http://schemas.openxmlformats.org/officeDocument/2006/relationships" xmlns:p="http://schemas.openxmlformats.org/presentationml/2006/main">
+  <p:cmAuthor id="1" name="CC1" initials="C" lastIdx="1" clrIdx="0">
+    <p:extLst>
+      <p:ext uri="{19B8F6BF-5375-455C-9EA6-DF929625EA0E}">
+        <p15:presenceInfo xmlns:p15="http://schemas.microsoft.com/office/powerpoint/2012/main" userId="CC1" providerId="None"/>
+      </p:ext>
+    </p:extLst>
+  </p:cmAuthor>
+</p:cmAuthorLst>
+</file>
+
+<file path=ppt/comments/comment1.xml><?xml version="1.0" encoding="utf-8"?>
+<p:cmLst xmlns:a="http://schemas.openxmlformats.org/drawingml/2006/main" xmlns:r="http://schemas.openxmlformats.org/officeDocument/2006/relationships" xmlns:p="http://schemas.openxmlformats.org/presentationml/2006/main">
+  <p:cm authorId="1" dt="2025-02-18T17:08:34.295" idx="1">
+    <p:pos x="10" y="10"/>
+    <p:text/>
+    <p:extLst>
+      <p:ext uri="{C676402C-5697-4E1C-873F-D02D1690AC5C}">
+        <p15:threadingInfo xmlns:p15="http://schemas.microsoft.com/office/powerpoint/2012/main" timeZoneBias="420"/>
+      </p:ext>
+    </p:extLst>
+  </p:cm>
+</p:cmLst>
+</file>
+
+<file path=ppt/comments/comment2.xml><?xml version="1.0" encoding="utf-8"?>
+<p:cmLst xmlns:a="http://schemas.openxmlformats.org/drawingml/2006/main" xmlns:r="http://schemas.openxmlformats.org/officeDocument/2006/relationships" xmlns:p="http://schemas.openxmlformats.org/presentationml/2006/main">
+  <p:cm authorId="1" dt="2025-02-18T17:08:34.295" idx="1">
+    <p:pos x="10" y="10"/>
+    <p:text/>
+    <p:extLst>
+      <p:ext uri="{C676402C-5697-4E1C-873F-D02D1690AC5C}">
+        <p15:threadingInfo xmlns:p15="http://schemas.microsoft.com/office/powerpoint/2012/main" timeZoneBias="420"/>
+      </p:ext>
+    </p:extLst>
+  </p:cm>
+</p:cmLst>
 </file>
 
 <file path=ppt/slideLayouts/slideLayout1.xml><?xml version="1.0" encoding="utf-8"?>
@@ -244,7 +293,7 @@
           <a:p>
             <a:fld id="{C41EF9C9-ECA3-4A67-AC5B-CA1638BB68B8}" type="datetimeFigureOut">
               <a:rPr lang="es-MX" smtClean="0"/>
-              <a:t>13/02/2025</a:t>
+              <a:t>18/02/2025</a:t>
             </a:fld>
             <a:endParaRPr lang="es-MX"/>
           </a:p>
@@ -414,7 +463,7 @@
           <a:p>
             <a:fld id="{C41EF9C9-ECA3-4A67-AC5B-CA1638BB68B8}" type="datetimeFigureOut">
               <a:rPr lang="es-MX" smtClean="0"/>
-              <a:t>13/02/2025</a:t>
+              <a:t>18/02/2025</a:t>
             </a:fld>
             <a:endParaRPr lang="es-MX"/>
           </a:p>
@@ -594,7 +643,7 @@
           <a:p>
             <a:fld id="{C41EF9C9-ECA3-4A67-AC5B-CA1638BB68B8}" type="datetimeFigureOut">
               <a:rPr lang="es-MX" smtClean="0"/>
-              <a:t>13/02/2025</a:t>
+              <a:t>18/02/2025</a:t>
             </a:fld>
             <a:endParaRPr lang="es-MX"/>
           </a:p>
@@ -764,7 +813,7 @@
           <a:p>
             <a:fld id="{C41EF9C9-ECA3-4A67-AC5B-CA1638BB68B8}" type="datetimeFigureOut">
               <a:rPr lang="es-MX" smtClean="0"/>
-              <a:t>13/02/2025</a:t>
+              <a:t>18/02/2025</a:t>
             </a:fld>
             <a:endParaRPr lang="es-MX"/>
           </a:p>
@@ -1010,7 +1059,7 @@
           <a:p>
             <a:fld id="{C41EF9C9-ECA3-4A67-AC5B-CA1638BB68B8}" type="datetimeFigureOut">
               <a:rPr lang="es-MX" smtClean="0"/>
-              <a:t>13/02/2025</a:t>
+              <a:t>18/02/2025</a:t>
             </a:fld>
             <a:endParaRPr lang="es-MX"/>
           </a:p>
@@ -1242,7 +1291,7 @@
           <a:p>
             <a:fld id="{C41EF9C9-ECA3-4A67-AC5B-CA1638BB68B8}" type="datetimeFigureOut">
               <a:rPr lang="es-MX" smtClean="0"/>
-              <a:t>13/02/2025</a:t>
+              <a:t>18/02/2025</a:t>
             </a:fld>
             <a:endParaRPr lang="es-MX"/>
           </a:p>
@@ -1609,7 +1658,7 @@
           <a:p>
             <a:fld id="{C41EF9C9-ECA3-4A67-AC5B-CA1638BB68B8}" type="datetimeFigureOut">
               <a:rPr lang="es-MX" smtClean="0"/>
-              <a:t>13/02/2025</a:t>
+              <a:t>18/02/2025</a:t>
             </a:fld>
             <a:endParaRPr lang="es-MX"/>
           </a:p>
@@ -1727,7 +1776,7 @@
           <a:p>
             <a:fld id="{C41EF9C9-ECA3-4A67-AC5B-CA1638BB68B8}" type="datetimeFigureOut">
               <a:rPr lang="es-MX" smtClean="0"/>
-              <a:t>13/02/2025</a:t>
+              <a:t>18/02/2025</a:t>
             </a:fld>
             <a:endParaRPr lang="es-MX"/>
           </a:p>
@@ -1822,7 +1871,7 @@
           <a:p>
             <a:fld id="{C41EF9C9-ECA3-4A67-AC5B-CA1638BB68B8}" type="datetimeFigureOut">
               <a:rPr lang="es-MX" smtClean="0"/>
-              <a:t>13/02/2025</a:t>
+              <a:t>18/02/2025</a:t>
             </a:fld>
             <a:endParaRPr lang="es-MX"/>
           </a:p>
@@ -2099,7 +2148,7 @@
           <a:p>
             <a:fld id="{C41EF9C9-ECA3-4A67-AC5B-CA1638BB68B8}" type="datetimeFigureOut">
               <a:rPr lang="es-MX" smtClean="0"/>
-              <a:t>13/02/2025</a:t>
+              <a:t>18/02/2025</a:t>
             </a:fld>
             <a:endParaRPr lang="es-MX"/>
           </a:p>
@@ -2356,7 +2405,7 @@
           <a:p>
             <a:fld id="{C41EF9C9-ECA3-4A67-AC5B-CA1638BB68B8}" type="datetimeFigureOut">
               <a:rPr lang="es-MX" smtClean="0"/>
-              <a:t>13/02/2025</a:t>
+              <a:t>18/02/2025</a:t>
             </a:fld>
             <a:endParaRPr lang="es-MX"/>
           </a:p>
@@ -2569,7 +2618,7 @@
           <a:p>
             <a:fld id="{C41EF9C9-ECA3-4A67-AC5B-CA1638BB68B8}" type="datetimeFigureOut">
               <a:rPr lang="es-MX" smtClean="0"/>
-              <a:t>13/02/2025</a:t>
+              <a:t>18/02/2025</a:t>
             </a:fld>
             <a:endParaRPr lang="es-MX"/>
           </a:p>
@@ -3036,6 +3085,51 @@
           </a:p>
         </p:txBody>
       </p:sp>
+      <p:sp>
+        <p:nvSpPr>
+          <p:cNvPr id="4" name="Rectángulo 3"/>
+          <p:cNvSpPr/>
+          <p:nvPr/>
+        </p:nvSpPr>
+        <p:spPr>
+          <a:xfrm>
+            <a:off x="0" y="0"/>
+            <a:ext cx="12192000" cy="6858000"/>
+          </a:xfrm>
+          <a:prstGeom prst="rect">
+            <a:avLst/>
+          </a:prstGeom>
+          <a:solidFill>
+            <a:schemeClr val="tx2">
+              <a:lumMod val="25000"/>
+            </a:schemeClr>
+          </a:solidFill>
+        </p:spPr>
+        <p:style>
+          <a:lnRef idx="2">
+            <a:schemeClr val="accent1">
+              <a:shade val="50000"/>
+            </a:schemeClr>
+          </a:lnRef>
+          <a:fillRef idx="1">
+            <a:schemeClr val="accent1"/>
+          </a:fillRef>
+          <a:effectRef idx="0">
+            <a:schemeClr val="accent1"/>
+          </a:effectRef>
+          <a:fontRef idx="minor">
+            <a:schemeClr val="lt1"/>
+          </a:fontRef>
+        </p:style>
+        <p:txBody>
+          <a:bodyPr rtlCol="0" anchor="ctr"/>
+          <a:lstStyle/>
+          <a:p>
+            <a:pPr algn="ctr"/>
+            <a:endParaRPr lang="es-MX"/>
+          </a:p>
+        </p:txBody>
+      </p:sp>
     </p:spTree>
     <p:extLst>
       <p:ext uri="{BB962C8B-B14F-4D97-AF65-F5344CB8AC3E}">
@@ -3046,6 +3140,9 @@
   <p:clrMapOvr>
     <a:masterClrMapping/>
   </p:clrMapOvr>
+  <p:transition spd="slow">
+    <p:wipe/>
+  </p:transition>
   <p:timing>
     <p:tnLst>
       <p:par>
@@ -3056,7 +3153,7 @@
 </p:sld>
 </file>
 
-<file path=ppt/slides/slide2.xml><?xml version="1.0" encoding="utf-8"?>
+<file path=ppt/slides/slide10.xml><?xml version="1.0" encoding="utf-8"?>
 <p:sld xmlns:a="http://schemas.openxmlformats.org/drawingml/2006/main" xmlns:r="http://schemas.openxmlformats.org/officeDocument/2006/relationships" xmlns:p="http://schemas.openxmlformats.org/presentationml/2006/main">
   <p:cSld>
     <p:bg>
@@ -3100,21 +3197,15 @@
         <p:spPr/>
         <p:txBody>
           <a:bodyPr>
-            <a:normAutofit/>
+            <a:normAutofit fontScale="90000"/>
           </a:bodyPr>
           <a:lstStyle/>
           <a:p>
-            <a:r>
-              <a:rPr lang="es-MX" sz="8800" dirty="0" err="1" smtClean="0">
-                <a:latin typeface="Impact" panose="020B0806030902050204" pitchFamily="34" charset="0"/>
-              </a:rPr>
-              <a:t>Presentacion</a:t>
-            </a:r>
             <a:r>
               <a:rPr lang="es-MX" sz="8800" dirty="0" smtClean="0">
                 <a:latin typeface="Impact" panose="020B0806030902050204" pitchFamily="34" charset="0"/>
               </a:rPr>
-              <a:t> </a:t>
+              <a:t>Y ya eso es todo por que no me da mas tiempo</a:t>
             </a:r>
             <a:endParaRPr lang="es-MX" sz="8800" dirty="0">
               <a:latin typeface="Impact" panose="020B0806030902050204" pitchFamily="34" charset="0"/>
@@ -3137,10 +3228,6 @@
           <a:bodyPr/>
           <a:lstStyle/>
           <a:p>
-            <a:r>
-              <a:rPr lang="es-MX" dirty="0" smtClean="0"/>
-              <a:t>Juan Antonio moreno santana</a:t>
-            </a:r>
             <a:endParaRPr lang="es-MX" dirty="0"/>
           </a:p>
         </p:txBody>
@@ -3148,340 +3235,7 @@
     </p:spTree>
     <p:extLst>
       <p:ext uri="{BB962C8B-B14F-4D97-AF65-F5344CB8AC3E}">
-        <p14:creationId xmlns:p14="http://schemas.microsoft.com/office/powerpoint/2010/main" val="1912001591"/>
-      </p:ext>
-    </p:extLst>
-  </p:cSld>
-  <p:clrMapOvr>
-    <a:masterClrMapping/>
-  </p:clrMapOvr>
-  <p:timing>
-    <p:tnLst>
-      <p:par>
-        <p:cTn id="1" dur="indefinite" restart="never" nodeType="tmRoot"/>
-      </p:par>
-    </p:tnLst>
-  </p:timing>
-</p:sld>
-</file>
-
-<file path=ppt/slides/slide3.xml><?xml version="1.0" encoding="utf-8"?>
-<p:sld xmlns:a="http://schemas.openxmlformats.org/drawingml/2006/main" xmlns:r="http://schemas.openxmlformats.org/officeDocument/2006/relationships" xmlns:p="http://schemas.openxmlformats.org/presentationml/2006/main">
-  <p:cSld>
-    <p:bg>
-      <p:bgPr>
-        <a:blipFill dpi="0" rotWithShape="1">
-          <a:blip r:embed="rId2">
-            <a:lum/>
-          </a:blip>
-          <a:srcRect/>
-          <a:stretch>
-            <a:fillRect t="-39000" b="-39000"/>
-          </a:stretch>
-        </a:blipFill>
-        <a:effectLst/>
-      </p:bgPr>
-    </p:bg>
-    <p:spTree>
-      <p:nvGrpSpPr>
-        <p:cNvPr id="1" name=""/>
-        <p:cNvGrpSpPr/>
-        <p:nvPr/>
-      </p:nvGrpSpPr>
-      <p:grpSpPr>
-        <a:xfrm>
-          <a:off x="0" y="0"/>
-          <a:ext cx="0" cy="0"/>
-          <a:chOff x="0" y="0"/>
-          <a:chExt cx="0" cy="0"/>
-        </a:xfrm>
-      </p:grpSpPr>
-      <p:sp>
-        <p:nvSpPr>
-          <p:cNvPr id="2" name="Título 1"/>
-          <p:cNvSpPr>
-            <a:spLocks noGrp="1"/>
-          </p:cNvSpPr>
-          <p:nvPr>
-            <p:ph type="ctrTitle"/>
-          </p:nvPr>
-        </p:nvSpPr>
-        <p:spPr/>
-        <p:txBody>
-          <a:bodyPr>
-            <a:normAutofit/>
-          </a:bodyPr>
-          <a:lstStyle/>
-          <a:p>
-            <a:r>
-              <a:rPr lang="es-MX" sz="8800" dirty="0" smtClean="0">
-                <a:latin typeface="Impact" panose="020B0806030902050204" pitchFamily="34" charset="0"/>
-              </a:rPr>
-              <a:t>Un poco de mi</a:t>
-            </a:r>
-            <a:endParaRPr lang="es-MX" sz="8800" dirty="0">
-              <a:latin typeface="Impact" panose="020B0806030902050204" pitchFamily="34" charset="0"/>
-            </a:endParaRPr>
-          </a:p>
-        </p:txBody>
-      </p:sp>
-      <p:sp>
-        <p:nvSpPr>
-          <p:cNvPr id="3" name="Subtítulo 2"/>
-          <p:cNvSpPr>
-            <a:spLocks noGrp="1"/>
-          </p:cNvSpPr>
-          <p:nvPr>
-            <p:ph type="subTitle" idx="1"/>
-          </p:nvPr>
-        </p:nvSpPr>
-        <p:spPr/>
-        <p:txBody>
-          <a:bodyPr/>
-          <a:lstStyle/>
-          <a:p>
-            <a:endParaRPr lang="es-MX" dirty="0"/>
-          </a:p>
-        </p:txBody>
-      </p:sp>
-    </p:spTree>
-    <p:extLst>
-      <p:ext uri="{BB962C8B-B14F-4D97-AF65-F5344CB8AC3E}">
-        <p14:creationId xmlns:p14="http://schemas.microsoft.com/office/powerpoint/2010/main" val="3144488604"/>
-      </p:ext>
-    </p:extLst>
-  </p:cSld>
-  <p:clrMapOvr>
-    <a:masterClrMapping/>
-  </p:clrMapOvr>
-  <p:transition spd="slow" advTm="0">
-    <p:wipe/>
-  </p:transition>
-  <p:timing>
-    <p:tnLst>
-      <p:par>
-        <p:cTn id="1" dur="indefinite" restart="never" nodeType="tmRoot"/>
-      </p:par>
-    </p:tnLst>
-  </p:timing>
-</p:sld>
-</file>
-
-<file path=ppt/slides/slide4.xml><?xml version="1.0" encoding="utf-8"?>
-<p:sld xmlns:a="http://schemas.openxmlformats.org/drawingml/2006/main" xmlns:r="http://schemas.openxmlformats.org/officeDocument/2006/relationships" xmlns:p="http://schemas.openxmlformats.org/presentationml/2006/main">
-  <p:cSld>
-    <p:bg>
-      <p:bgPr>
-        <a:blipFill dpi="0" rotWithShape="1">
-          <a:blip r:embed="rId2">
-            <a:lum/>
-          </a:blip>
-          <a:srcRect/>
-          <a:stretch>
-            <a:fillRect t="-39000" b="-39000"/>
-          </a:stretch>
-        </a:blipFill>
-        <a:effectLst/>
-      </p:bgPr>
-    </p:bg>
-    <p:spTree>
-      <p:nvGrpSpPr>
-        <p:cNvPr id="1" name=""/>
-        <p:cNvGrpSpPr/>
-        <p:nvPr/>
-      </p:nvGrpSpPr>
-      <p:grpSpPr>
-        <a:xfrm>
-          <a:off x="0" y="0"/>
-          <a:ext cx="0" cy="0"/>
-          <a:chOff x="0" y="0"/>
-          <a:chExt cx="0" cy="0"/>
-        </a:xfrm>
-      </p:grpSpPr>
-      <p:sp>
-        <p:nvSpPr>
-          <p:cNvPr id="2" name="Título 1"/>
-          <p:cNvSpPr>
-            <a:spLocks noGrp="1"/>
-          </p:cNvSpPr>
-          <p:nvPr>
-            <p:ph type="ctrTitle"/>
-          </p:nvPr>
-        </p:nvSpPr>
-        <p:spPr/>
-        <p:txBody>
-          <a:bodyPr>
-            <a:normAutofit fontScale="90000"/>
-          </a:bodyPr>
-          <a:lstStyle/>
-          <a:p>
-            <a:r>
-              <a:rPr lang="es-MX" sz="8800" dirty="0" smtClean="0">
-                <a:latin typeface="Impact" panose="020B0806030902050204" pitchFamily="34" charset="0"/>
-              </a:rPr>
-              <a:t>Cosas que me gustan</a:t>
-            </a:r>
-            <a:endParaRPr lang="es-MX" sz="8800" dirty="0">
-              <a:latin typeface="Impact" panose="020B0806030902050204" pitchFamily="34" charset="0"/>
-            </a:endParaRPr>
-          </a:p>
-        </p:txBody>
-      </p:sp>
-      <p:sp>
-        <p:nvSpPr>
-          <p:cNvPr id="3" name="Subtítulo 2"/>
-          <p:cNvSpPr>
-            <a:spLocks noGrp="1"/>
-          </p:cNvSpPr>
-          <p:nvPr>
-            <p:ph type="subTitle" idx="1"/>
-          </p:nvPr>
-        </p:nvSpPr>
-        <p:spPr/>
-        <p:txBody>
-          <a:bodyPr/>
-          <a:lstStyle/>
-          <a:p>
-            <a:endParaRPr lang="es-MX" dirty="0"/>
-          </a:p>
-        </p:txBody>
-      </p:sp>
-    </p:spTree>
-    <p:extLst>
-      <p:ext uri="{BB962C8B-B14F-4D97-AF65-F5344CB8AC3E}">
-        <p14:creationId xmlns:p14="http://schemas.microsoft.com/office/powerpoint/2010/main" val="2158603486"/>
-      </p:ext>
-    </p:extLst>
-  </p:cSld>
-  <p:clrMapOvr>
-    <a:masterClrMapping/>
-  </p:clrMapOvr>
-  <p:transition spd="slow">
-    <p:push dir="u"/>
-  </p:transition>
-  <p:timing>
-    <p:tnLst>
-      <p:par>
-        <p:cTn id="1" dur="indefinite" restart="never" nodeType="tmRoot"/>
-      </p:par>
-    </p:tnLst>
-  </p:timing>
-</p:sld>
-</file>
-
-<file path=ppt/slides/slide5.xml><?xml version="1.0" encoding="utf-8"?>
-<p:sld xmlns:a="http://schemas.openxmlformats.org/drawingml/2006/main" xmlns:r="http://schemas.openxmlformats.org/officeDocument/2006/relationships" xmlns:p="http://schemas.openxmlformats.org/presentationml/2006/main">
-  <p:cSld>
-    <p:bg>
-      <p:bgPr>
-        <a:blipFill dpi="0" rotWithShape="1">
-          <a:blip r:embed="rId2">
-            <a:lum/>
-          </a:blip>
-          <a:srcRect/>
-          <a:stretch>
-            <a:fillRect t="-39000" b="-39000"/>
-          </a:stretch>
-        </a:blipFill>
-        <a:effectLst/>
-      </p:bgPr>
-    </p:bg>
-    <p:spTree>
-      <p:nvGrpSpPr>
-        <p:cNvPr id="1" name=""/>
-        <p:cNvGrpSpPr/>
-        <p:nvPr/>
-      </p:nvGrpSpPr>
-      <p:grpSpPr>
-        <a:xfrm>
-          <a:off x="0" y="0"/>
-          <a:ext cx="0" cy="0"/>
-          <a:chOff x="0" y="0"/>
-          <a:chExt cx="0" cy="0"/>
-        </a:xfrm>
-      </p:grpSpPr>
-      <p:sp>
-        <p:nvSpPr>
-          <p:cNvPr id="2" name="Título 1"/>
-          <p:cNvSpPr>
-            <a:spLocks noGrp="1"/>
-          </p:cNvSpPr>
-          <p:nvPr>
-            <p:ph type="ctrTitle"/>
-          </p:nvPr>
-        </p:nvSpPr>
-        <p:spPr/>
-        <p:txBody>
-          <a:bodyPr>
-            <a:normAutofit/>
-          </a:bodyPr>
-          <a:lstStyle/>
-          <a:p>
-            <a:r>
-              <a:rPr lang="es-MX" sz="8800" dirty="0" smtClean="0">
-                <a:latin typeface="Impact" panose="020B0806030902050204" pitchFamily="34" charset="0"/>
-              </a:rPr>
-              <a:t>Software en 3d</a:t>
-            </a:r>
-            <a:endParaRPr lang="es-MX" sz="8800" dirty="0">
-              <a:latin typeface="Impact" panose="020B0806030902050204" pitchFamily="34" charset="0"/>
-            </a:endParaRPr>
-          </a:p>
-        </p:txBody>
-      </p:sp>
-      <p:sp>
-        <p:nvSpPr>
-          <p:cNvPr id="3" name="Subtítulo 2"/>
-          <p:cNvSpPr>
-            <a:spLocks noGrp="1"/>
-          </p:cNvSpPr>
-          <p:nvPr>
-            <p:ph type="subTitle" idx="1"/>
-          </p:nvPr>
-        </p:nvSpPr>
-        <p:spPr/>
-        <p:txBody>
-          <a:bodyPr/>
-          <a:lstStyle/>
-          <a:p>
-            <a:endParaRPr lang="es-MX" dirty="0"/>
-          </a:p>
-        </p:txBody>
-      </p:sp>
-      <p:pic>
-        <p:nvPicPr>
-          <p:cNvPr id="4" name="Imagen 3"/>
-          <p:cNvPicPr>
-            <a:picLocks noChangeAspect="1"/>
-          </p:cNvPicPr>
-          <p:nvPr/>
-        </p:nvPicPr>
-        <p:blipFill>
-          <a:blip r:embed="rId3">
-            <a:extLst>
-              <a:ext uri="{28A0092B-C50C-407E-A947-70E740481C1C}">
-                <a14:useLocalDpi xmlns:a14="http://schemas.microsoft.com/office/drawing/2010/main" val="0"/>
-              </a:ext>
-            </a:extLst>
-          </a:blip>
-          <a:stretch>
-            <a:fillRect/>
-          </a:stretch>
-        </p:blipFill>
-        <p:spPr>
-          <a:xfrm>
-            <a:off x="5024437" y="3509963"/>
-            <a:ext cx="2143125" cy="2143125"/>
-          </a:xfrm>
-          <a:prstGeom prst="rect">
-            <a:avLst/>
-          </a:prstGeom>
-        </p:spPr>
-      </p:pic>
-    </p:spTree>
-    <p:extLst>
-      <p:ext uri="{BB962C8B-B14F-4D97-AF65-F5344CB8AC3E}">
-        <p14:creationId xmlns:p14="http://schemas.microsoft.com/office/powerpoint/2010/main" val="935725114"/>
+        <p14:creationId xmlns:p14="http://schemas.microsoft.com/office/powerpoint/2010/main" val="1274499222"/>
       </p:ext>
     </p:extLst>
   </p:cSld>
@@ -3490,12 +3244,12 @@
   </p:clrMapOvr>
   <mc:AlternateContent xmlns:mc="http://schemas.openxmlformats.org/markup-compatibility/2006">
     <mc:Choice xmlns:p14="http://schemas.microsoft.com/office/powerpoint/2010/main" Requires="p14">
-      <p:transition spd="med" p14:dur="700">
-        <p:fade/>
+      <p:transition spd="slow" p14:dur="1300">
+        <p14:pan dir="u"/>
       </p:transition>
     </mc:Choice>
     <mc:Fallback>
-      <p:transition spd="med">
+      <p:transition spd="slow">
         <p:fade/>
       </p:transition>
     </mc:Fallback>
@@ -3521,7 +3275,7 @@
                             </p:stCondLst>
                             <p:childTnLst>
                               <p:par>
-                                <p:cTn id="5" presetID="2" presetClass="entr" presetSubtype="4" fill="hold" nodeType="clickEffect">
+                                <p:cTn id="5" presetID="2" presetClass="entr" presetSubtype="12" fill="hold" grpId="0" nodeType="clickEffect">
                                   <p:stCondLst>
                                     <p:cond delay="0"/>
                                   </p:stCondLst>
@@ -3534,7 +3288,7 @@
                                           </p:stCondLst>
                                         </p:cTn>
                                         <p:tgtEl>
-                                          <p:spTgt spid="4"/>
+                                          <p:spTgt spid="2"/>
                                         </p:tgtEl>
                                         <p:attrNameLst>
                                           <p:attrName>style.visibility</p:attrName>
@@ -3548,7 +3302,7 @@
                                       <p:cBhvr additive="base">
                                         <p:cTn id="7" dur="500" fill="hold"/>
                                         <p:tgtEl>
-                                          <p:spTgt spid="4"/>
+                                          <p:spTgt spid="2"/>
                                         </p:tgtEl>
                                         <p:attrNameLst>
                                           <p:attrName>ppt_x</p:attrName>
@@ -3557,7 +3311,7 @@
                                       <p:tavLst>
                                         <p:tav tm="0">
                                           <p:val>
-                                            <p:strVal val="#ppt_x"/>
+                                            <p:strVal val="0-#ppt_w/2"/>
                                           </p:val>
                                         </p:tav>
                                         <p:tav tm="100000">
@@ -3571,7 +3325,7 @@
                                       <p:cBhvr additive="base">
                                         <p:cTn id="8" dur="500" fill="hold"/>
                                         <p:tgtEl>
-                                          <p:spTgt spid="4"/>
+                                          <p:spTgt spid="2"/>
                                         </p:tgtEl>
                                         <p:attrNameLst>
                                           <p:attrName>ppt_y</p:attrName>
@@ -3620,11 +3374,14 @@
         </p:cTn>
       </p:par>
     </p:tnLst>
+    <p:bldLst>
+      <p:bldP spid="2" grpId="0"/>
+    </p:bldLst>
   </p:timing>
 </p:sld>
 </file>
 
-<file path=ppt/slides/slide6.xml><?xml version="1.0" encoding="utf-8"?>
+<file path=ppt/slides/slide11.xml><?xml version="1.0" encoding="utf-8"?>
 <p:sld xmlns:a="http://schemas.openxmlformats.org/drawingml/2006/main" xmlns:r="http://schemas.openxmlformats.org/officeDocument/2006/relationships" xmlns:p="http://schemas.openxmlformats.org/presentationml/2006/main">
   <p:cSld>
     <p:bg>
@@ -3665,7 +3422,12 @@
             <p:ph type="ctrTitle"/>
           </p:nvPr>
         </p:nvSpPr>
-        <p:spPr/>
+        <p:spPr>
+          <a:xfrm>
+            <a:off x="1584960" y="1122363"/>
+            <a:ext cx="9144000" cy="2387600"/>
+          </a:xfrm>
+        </p:spPr>
         <p:txBody>
           <a:bodyPr>
             <a:normAutofit fontScale="90000"/>
@@ -3676,7 +3438,13 @@
               <a:rPr lang="es-MX" sz="8800" dirty="0" smtClean="0">
                 <a:latin typeface="Impact" panose="020B0806030902050204" pitchFamily="34" charset="0"/>
               </a:rPr>
-              <a:t>Y ya eso es todo por que no me da mas tiempo</a:t>
+              <a:t>Gracias por su </a:t>
+            </a:r>
+            <a:r>
+              <a:rPr lang="es-MX" sz="8800" dirty="0" err="1" smtClean="0">
+                <a:latin typeface="Impact" panose="020B0806030902050204" pitchFamily="34" charset="0"/>
+              </a:rPr>
+              <a:t>atencion</a:t>
             </a:r>
             <a:endParaRPr lang="es-MX" sz="8800" dirty="0">
               <a:latin typeface="Impact" panose="020B0806030902050204" pitchFamily="34" charset="0"/>
@@ -3694,11 +3462,20 @@
             <p:ph type="subTitle" idx="1"/>
           </p:nvPr>
         </p:nvSpPr>
-        <p:spPr/>
+        <p:spPr>
+          <a:xfrm>
+            <a:off x="1524000" y="3797981"/>
+            <a:ext cx="9144000" cy="1655762"/>
+          </a:xfrm>
+        </p:spPr>
         <p:txBody>
           <a:bodyPr/>
           <a:lstStyle/>
           <a:p>
+            <a:r>
+              <a:rPr lang="es-MX" dirty="0" smtClean="0"/>
+              <a:t>Juan Antonio moreno santana</a:t>
+            </a:r>
             <a:endParaRPr lang="es-MX" dirty="0"/>
           </a:p>
         </p:txBody>
@@ -3706,7 +3483,7 @@
     </p:spTree>
     <p:extLst>
       <p:ext uri="{BB962C8B-B14F-4D97-AF65-F5344CB8AC3E}">
-        <p14:creationId xmlns:p14="http://schemas.microsoft.com/office/powerpoint/2010/main" val="1274499222"/>
+        <p14:creationId xmlns:p14="http://schemas.microsoft.com/office/powerpoint/2010/main" val="2273320189"/>
       </p:ext>
     </p:extLst>
   </p:cSld>
@@ -3714,13 +3491,13 @@
     <a:masterClrMapping/>
   </p:clrMapOvr>
   <mc:AlternateContent xmlns:mc="http://schemas.openxmlformats.org/markup-compatibility/2006">
-    <mc:Choice xmlns:p14="http://schemas.microsoft.com/office/powerpoint/2010/main" Requires="p14">
-      <p:transition spd="med" p14:dur="700">
-        <p:fade/>
+    <mc:Choice xmlns:p15="http://schemas.microsoft.com/office/powerpoint/2012/main" Requires="p15">
+      <p:transition xmlns:p14="http://schemas.microsoft.com/office/powerpoint/2010/main" spd="slow" p14:dur="1250">
+        <p15:prstTrans prst="airplane"/>
       </p:transition>
     </mc:Choice>
     <mc:Fallback>
-      <p:transition spd="med">
+      <p:transition spd="slow">
         <p:fade/>
       </p:transition>
     </mc:Fallback>
@@ -3860,6 +3637,1251 @@
 </p:sld>
 </file>
 
+<file path=ppt/slides/slide2.xml><?xml version="1.0" encoding="utf-8"?>
+<p:sld xmlns:a="http://schemas.openxmlformats.org/drawingml/2006/main" xmlns:r="http://schemas.openxmlformats.org/officeDocument/2006/relationships" xmlns:p="http://schemas.openxmlformats.org/presentationml/2006/main">
+  <p:cSld>
+    <p:bg>
+      <p:bgPr>
+        <a:blipFill dpi="0" rotWithShape="1">
+          <a:blip r:embed="rId2">
+            <a:lum/>
+          </a:blip>
+          <a:srcRect/>
+          <a:stretch>
+            <a:fillRect t="-39000" b="-39000"/>
+          </a:stretch>
+        </a:blipFill>
+        <a:effectLst/>
+      </p:bgPr>
+    </p:bg>
+    <p:spTree>
+      <p:nvGrpSpPr>
+        <p:cNvPr id="1" name=""/>
+        <p:cNvGrpSpPr/>
+        <p:nvPr/>
+      </p:nvGrpSpPr>
+      <p:grpSpPr>
+        <a:xfrm>
+          <a:off x="0" y="0"/>
+          <a:ext cx="0" cy="0"/>
+          <a:chOff x="0" y="0"/>
+          <a:chExt cx="0" cy="0"/>
+        </a:xfrm>
+      </p:grpSpPr>
+      <p:sp>
+        <p:nvSpPr>
+          <p:cNvPr id="2" name="Título 1"/>
+          <p:cNvSpPr>
+            <a:spLocks noGrp="1"/>
+          </p:cNvSpPr>
+          <p:nvPr>
+            <p:ph type="ctrTitle"/>
+          </p:nvPr>
+        </p:nvSpPr>
+        <p:spPr/>
+        <p:txBody>
+          <a:bodyPr>
+            <a:normAutofit/>
+          </a:bodyPr>
+          <a:lstStyle/>
+          <a:p>
+            <a:r>
+              <a:rPr lang="es-MX" sz="8800" dirty="0" smtClean="0">
+                <a:latin typeface="Impact" panose="020B0806030902050204" pitchFamily="34" charset="0"/>
+              </a:rPr>
+              <a:t> </a:t>
+            </a:r>
+            <a:endParaRPr lang="es-MX" sz="8800" dirty="0">
+              <a:latin typeface="Impact" panose="020B0806030902050204" pitchFamily="34" charset="0"/>
+            </a:endParaRPr>
+          </a:p>
+        </p:txBody>
+      </p:sp>
+      <p:sp>
+        <p:nvSpPr>
+          <p:cNvPr id="3" name="Subtítulo 2"/>
+          <p:cNvSpPr>
+            <a:spLocks noGrp="1"/>
+          </p:cNvSpPr>
+          <p:nvPr>
+            <p:ph type="subTitle" idx="1"/>
+          </p:nvPr>
+        </p:nvSpPr>
+        <p:spPr/>
+        <p:txBody>
+          <a:bodyPr/>
+          <a:lstStyle/>
+          <a:p>
+            <a:endParaRPr lang="es-MX" dirty="0"/>
+          </a:p>
+        </p:txBody>
+      </p:sp>
+    </p:spTree>
+    <p:extLst>
+      <p:ext uri="{BB962C8B-B14F-4D97-AF65-F5344CB8AC3E}">
+        <p14:creationId xmlns:p14="http://schemas.microsoft.com/office/powerpoint/2010/main" val="433834267"/>
+      </p:ext>
+    </p:extLst>
+  </p:cSld>
+  <p:clrMapOvr>
+    <a:masterClrMapping/>
+  </p:clrMapOvr>
+  <p:transition spd="slow">
+    <p:wipe/>
+  </p:transition>
+  <p:timing>
+    <p:tnLst>
+      <p:par>
+        <p:cTn id="1" dur="indefinite" restart="never" nodeType="tmRoot"/>
+      </p:par>
+    </p:tnLst>
+  </p:timing>
+</p:sld>
+</file>
+
+<file path=ppt/slides/slide3.xml><?xml version="1.0" encoding="utf-8"?>
+<p:sld xmlns:a="http://schemas.openxmlformats.org/drawingml/2006/main" xmlns:r="http://schemas.openxmlformats.org/officeDocument/2006/relationships" xmlns:p="http://schemas.openxmlformats.org/presentationml/2006/main">
+  <p:cSld>
+    <p:bg>
+      <p:bgPr>
+        <a:blipFill dpi="0" rotWithShape="1">
+          <a:blip r:embed="rId2">
+            <a:lum/>
+          </a:blip>
+          <a:srcRect/>
+          <a:stretch>
+            <a:fillRect t="-39000" b="-39000"/>
+          </a:stretch>
+        </a:blipFill>
+        <a:effectLst/>
+      </p:bgPr>
+    </p:bg>
+    <p:spTree>
+      <p:nvGrpSpPr>
+        <p:cNvPr id="1" name=""/>
+        <p:cNvGrpSpPr/>
+        <p:nvPr/>
+      </p:nvGrpSpPr>
+      <p:grpSpPr>
+        <a:xfrm>
+          <a:off x="0" y="0"/>
+          <a:ext cx="0" cy="0"/>
+          <a:chOff x="0" y="0"/>
+          <a:chExt cx="0" cy="0"/>
+        </a:xfrm>
+      </p:grpSpPr>
+      <p:sp>
+        <p:nvSpPr>
+          <p:cNvPr id="2" name="Título 1"/>
+          <p:cNvSpPr>
+            <a:spLocks noGrp="1"/>
+          </p:cNvSpPr>
+          <p:nvPr>
+            <p:ph type="ctrTitle"/>
+          </p:nvPr>
+        </p:nvSpPr>
+        <p:spPr/>
+        <p:txBody>
+          <a:bodyPr>
+            <a:normAutofit fontScale="90000"/>
+          </a:bodyPr>
+          <a:lstStyle/>
+          <a:p>
+            <a:r>
+              <a:rPr lang="es-MX" sz="8800" dirty="0" smtClean="0">
+                <a:latin typeface="Impact" panose="020B0806030902050204" pitchFamily="34" charset="0"/>
+              </a:rPr>
+              <a:t/>
+            </a:r>
+            <a:br>
+              <a:rPr lang="es-MX" sz="8800" dirty="0" smtClean="0">
+                <a:latin typeface="Impact" panose="020B0806030902050204" pitchFamily="34" charset="0"/>
+              </a:rPr>
+            </a:br>
+            <a:r>
+              <a:rPr lang="es-MX" sz="8800" dirty="0" err="1" smtClean="0">
+                <a:latin typeface="Impact" panose="020B0806030902050204" pitchFamily="34" charset="0"/>
+              </a:rPr>
+              <a:t>Presentacion</a:t>
+            </a:r>
+            <a:r>
+              <a:rPr lang="es-MX" sz="8800" dirty="0" smtClean="0">
+                <a:latin typeface="Impact" panose="020B0806030902050204" pitchFamily="34" charset="0"/>
+              </a:rPr>
+              <a:t> </a:t>
+            </a:r>
+            <a:endParaRPr lang="es-MX" sz="8800" dirty="0">
+              <a:latin typeface="Impact" panose="020B0806030902050204" pitchFamily="34" charset="0"/>
+            </a:endParaRPr>
+          </a:p>
+        </p:txBody>
+      </p:sp>
+      <p:sp>
+        <p:nvSpPr>
+          <p:cNvPr id="3" name="Subtítulo 2"/>
+          <p:cNvSpPr>
+            <a:spLocks noGrp="1"/>
+          </p:cNvSpPr>
+          <p:nvPr>
+            <p:ph type="subTitle" idx="1"/>
+          </p:nvPr>
+        </p:nvSpPr>
+        <p:spPr/>
+        <p:txBody>
+          <a:bodyPr/>
+          <a:lstStyle/>
+          <a:p>
+            <a:r>
+              <a:rPr lang="es-MX" dirty="0" smtClean="0"/>
+              <a:t>Juan Antoni</a:t>
+            </a:r>
+            <a:r>
+              <a:rPr lang="es-MX" b="1" dirty="0" smtClean="0"/>
+              <a:t>o</a:t>
+            </a:r>
+            <a:r>
+              <a:rPr lang="es-MX" dirty="0" smtClean="0"/>
+              <a:t> moreno santana</a:t>
+            </a:r>
+            <a:endParaRPr lang="es-MX" dirty="0"/>
+          </a:p>
+        </p:txBody>
+      </p:sp>
+      <p:sp>
+        <p:nvSpPr>
+          <p:cNvPr id="4" name="CuadroTexto 3"/>
+          <p:cNvSpPr txBox="1"/>
+          <p:nvPr/>
+        </p:nvSpPr>
+        <p:spPr>
+          <a:xfrm>
+            <a:off x="3474720" y="1267098"/>
+            <a:ext cx="3461657" cy="1200329"/>
+          </a:xfrm>
+          <a:prstGeom prst="rect">
+            <a:avLst/>
+          </a:prstGeom>
+          <a:noFill/>
+        </p:spPr>
+        <p:txBody>
+          <a:bodyPr wrap="square" rtlCol="0">
+            <a:spAutoFit/>
+          </a:bodyPr>
+          <a:lstStyle/>
+          <a:p>
+            <a:r>
+              <a:rPr lang="es-MX" sz="7200" dirty="0" smtClean="0">
+                <a:latin typeface="Impact" panose="020B0806030902050204" pitchFamily="34" charset="0"/>
+              </a:rPr>
+              <a:t>MI</a:t>
+            </a:r>
+            <a:endParaRPr lang="es-MX" sz="7200" dirty="0">
+              <a:latin typeface="Impact" panose="020B0806030902050204" pitchFamily="34" charset="0"/>
+            </a:endParaRPr>
+          </a:p>
+        </p:txBody>
+      </p:sp>
+    </p:spTree>
+    <p:extLst>
+      <p:ext uri="{BB962C8B-B14F-4D97-AF65-F5344CB8AC3E}">
+        <p14:creationId xmlns:p14="http://schemas.microsoft.com/office/powerpoint/2010/main" val="1912001591"/>
+      </p:ext>
+    </p:extLst>
+  </p:cSld>
+  <p:clrMapOvr>
+    <a:masterClrMapping/>
+  </p:clrMapOvr>
+  <p:transition spd="slow">
+    <p:wipe/>
+  </p:transition>
+  <p:timing>
+    <p:tnLst>
+      <p:par>
+        <p:cTn id="1" dur="indefinite" restart="never" nodeType="tmRoot">
+          <p:childTnLst>
+            <p:seq concurrent="1" nextAc="seek">
+              <p:cTn id="2" dur="indefinite" nodeType="mainSeq">
+                <p:childTnLst>
+                  <p:par>
+                    <p:cTn id="3" fill="hold">
+                      <p:stCondLst>
+                        <p:cond delay="indefinite"/>
+                      </p:stCondLst>
+                      <p:childTnLst>
+                        <p:par>
+                          <p:cTn id="4" fill="hold">
+                            <p:stCondLst>
+                              <p:cond delay="0"/>
+                            </p:stCondLst>
+                            <p:childTnLst>
+                              <p:par>
+                                <p:cTn id="5" presetID="2" presetClass="entr" presetSubtype="8" fill="hold" grpId="0" nodeType="clickEffect">
+                                  <p:stCondLst>
+                                    <p:cond delay="0"/>
+                                  </p:stCondLst>
+                                  <p:childTnLst>
+                                    <p:set>
+                                      <p:cBhvr>
+                                        <p:cTn id="6" dur="1" fill="hold">
+                                          <p:stCondLst>
+                                            <p:cond delay="0"/>
+                                          </p:stCondLst>
+                                        </p:cTn>
+                                        <p:tgtEl>
+                                          <p:spTgt spid="4"/>
+                                        </p:tgtEl>
+                                        <p:attrNameLst>
+                                          <p:attrName>style.visibility</p:attrName>
+                                        </p:attrNameLst>
+                                      </p:cBhvr>
+                                      <p:to>
+                                        <p:strVal val="visible"/>
+                                      </p:to>
+                                    </p:set>
+                                    <p:anim calcmode="lin" valueType="num">
+                                      <p:cBhvr additive="base">
+                                        <p:cTn id="7" dur="500" fill="hold"/>
+                                        <p:tgtEl>
+                                          <p:spTgt spid="4"/>
+                                        </p:tgtEl>
+                                        <p:attrNameLst>
+                                          <p:attrName>ppt_x</p:attrName>
+                                        </p:attrNameLst>
+                                      </p:cBhvr>
+                                      <p:tavLst>
+                                        <p:tav tm="0">
+                                          <p:val>
+                                            <p:strVal val="0-#ppt_w/2"/>
+                                          </p:val>
+                                        </p:tav>
+                                        <p:tav tm="100000">
+                                          <p:val>
+                                            <p:strVal val="#ppt_x"/>
+                                          </p:val>
+                                        </p:tav>
+                                      </p:tavLst>
+                                    </p:anim>
+                                    <p:anim calcmode="lin" valueType="num">
+                                      <p:cBhvr additive="base">
+                                        <p:cTn id="8" dur="500" fill="hold"/>
+                                        <p:tgtEl>
+                                          <p:spTgt spid="4"/>
+                                        </p:tgtEl>
+                                        <p:attrNameLst>
+                                          <p:attrName>ppt_y</p:attrName>
+                                        </p:attrNameLst>
+                                      </p:cBhvr>
+                                      <p:tavLst>
+                                        <p:tav tm="0">
+                                          <p:val>
+                                            <p:strVal val="#ppt_y"/>
+                                          </p:val>
+                                        </p:tav>
+                                        <p:tav tm="100000">
+                                          <p:val>
+                                            <p:strVal val="#ppt_y"/>
+                                          </p:val>
+                                        </p:tav>
+                                      </p:tavLst>
+                                    </p:anim>
+                                  </p:childTnLst>
+                                </p:cTn>
+                              </p:par>
+                            </p:childTnLst>
+                          </p:cTn>
+                        </p:par>
+                      </p:childTnLst>
+                    </p:cTn>
+                  </p:par>
+                  <p:par>
+                    <p:cTn id="9" fill="hold">
+                      <p:stCondLst>
+                        <p:cond delay="indefinite"/>
+                      </p:stCondLst>
+                      <p:childTnLst>
+                        <p:par>
+                          <p:cTn id="10" fill="hold">
+                            <p:stCondLst>
+                              <p:cond delay="0"/>
+                            </p:stCondLst>
+                            <p:childTnLst>
+                              <p:par>
+                                <p:cTn id="11" presetID="2" presetClass="entr" presetSubtype="2" fill="hold" grpId="0" nodeType="clickEffect">
+                                  <p:stCondLst>
+                                    <p:cond delay="0"/>
+                                  </p:stCondLst>
+                                  <p:childTnLst>
+                                    <p:set>
+                                      <p:cBhvr>
+                                        <p:cTn id="12" dur="1" fill="hold">
+                                          <p:stCondLst>
+                                            <p:cond delay="0"/>
+                                          </p:stCondLst>
+                                        </p:cTn>
+                                        <p:tgtEl>
+                                          <p:spTgt spid="2"/>
+                                        </p:tgtEl>
+                                        <p:attrNameLst>
+                                          <p:attrName>style.visibility</p:attrName>
+                                        </p:attrNameLst>
+                                      </p:cBhvr>
+                                      <p:to>
+                                        <p:strVal val="visible"/>
+                                      </p:to>
+                                    </p:set>
+                                    <p:anim calcmode="lin" valueType="num">
+                                      <p:cBhvr additive="base">
+                                        <p:cTn id="13" dur="500" fill="hold"/>
+                                        <p:tgtEl>
+                                          <p:spTgt spid="2"/>
+                                        </p:tgtEl>
+                                        <p:attrNameLst>
+                                          <p:attrName>ppt_x</p:attrName>
+                                        </p:attrNameLst>
+                                      </p:cBhvr>
+                                      <p:tavLst>
+                                        <p:tav tm="0">
+                                          <p:val>
+                                            <p:strVal val="1+#ppt_w/2"/>
+                                          </p:val>
+                                        </p:tav>
+                                        <p:tav tm="100000">
+                                          <p:val>
+                                            <p:strVal val="#ppt_x"/>
+                                          </p:val>
+                                        </p:tav>
+                                      </p:tavLst>
+                                    </p:anim>
+                                    <p:anim calcmode="lin" valueType="num">
+                                      <p:cBhvr additive="base">
+                                        <p:cTn id="14" dur="500" fill="hold"/>
+                                        <p:tgtEl>
+                                          <p:spTgt spid="2"/>
+                                        </p:tgtEl>
+                                        <p:attrNameLst>
+                                          <p:attrName>ppt_y</p:attrName>
+                                        </p:attrNameLst>
+                                      </p:cBhvr>
+                                      <p:tavLst>
+                                        <p:tav tm="0">
+                                          <p:val>
+                                            <p:strVal val="#ppt_y"/>
+                                          </p:val>
+                                        </p:tav>
+                                        <p:tav tm="100000">
+                                          <p:val>
+                                            <p:strVal val="#ppt_y"/>
+                                          </p:val>
+                                        </p:tav>
+                                      </p:tavLst>
+                                    </p:anim>
+                                  </p:childTnLst>
+                                </p:cTn>
+                              </p:par>
+                            </p:childTnLst>
+                          </p:cTn>
+                        </p:par>
+                      </p:childTnLst>
+                    </p:cTn>
+                  </p:par>
+                  <p:par>
+                    <p:cTn id="15" fill="hold">
+                      <p:stCondLst>
+                        <p:cond delay="indefinite"/>
+                      </p:stCondLst>
+                      <p:childTnLst>
+                        <p:par>
+                          <p:cTn id="16" fill="hold">
+                            <p:stCondLst>
+                              <p:cond delay="0"/>
+                            </p:stCondLst>
+                            <p:childTnLst>
+                              <p:par>
+                                <p:cTn id="17" presetID="2" presetClass="entr" presetSubtype="2" fill="hold" grpId="0" nodeType="clickEffect">
+                                  <p:stCondLst>
+                                    <p:cond delay="0"/>
+                                  </p:stCondLst>
+                                  <p:childTnLst>
+                                    <p:set>
+                                      <p:cBhvr>
+                                        <p:cTn id="18" dur="1" fill="hold">
+                                          <p:stCondLst>
+                                            <p:cond delay="0"/>
+                                          </p:stCondLst>
+                                        </p:cTn>
+                                        <p:tgtEl>
+                                          <p:spTgt spid="3">
+                                            <p:txEl>
+                                              <p:pRg st="0" end="0"/>
+                                            </p:txEl>
+                                          </p:spTgt>
+                                        </p:tgtEl>
+                                        <p:attrNameLst>
+                                          <p:attrName>style.visibility</p:attrName>
+                                        </p:attrNameLst>
+                                      </p:cBhvr>
+                                      <p:to>
+                                        <p:strVal val="visible"/>
+                                      </p:to>
+                                    </p:set>
+                                    <p:anim calcmode="lin" valueType="num">
+                                      <p:cBhvr additive="base">
+                                        <p:cTn id="19" dur="500" fill="hold"/>
+                                        <p:tgtEl>
+                                          <p:spTgt spid="3">
+                                            <p:txEl>
+                                              <p:pRg st="0" end="0"/>
+                                            </p:txEl>
+                                          </p:spTgt>
+                                        </p:tgtEl>
+                                        <p:attrNameLst>
+                                          <p:attrName>ppt_x</p:attrName>
+                                        </p:attrNameLst>
+                                      </p:cBhvr>
+                                      <p:tavLst>
+                                        <p:tav tm="0">
+                                          <p:val>
+                                            <p:strVal val="1+#ppt_w/2"/>
+                                          </p:val>
+                                        </p:tav>
+                                        <p:tav tm="100000">
+                                          <p:val>
+                                            <p:strVal val="#ppt_x"/>
+                                          </p:val>
+                                        </p:tav>
+                                      </p:tavLst>
+                                    </p:anim>
+                                    <p:anim calcmode="lin" valueType="num">
+                                      <p:cBhvr additive="base">
+                                        <p:cTn id="20" dur="500" fill="hold"/>
+                                        <p:tgtEl>
+                                          <p:spTgt spid="3">
+                                            <p:txEl>
+                                              <p:pRg st="0" end="0"/>
+                                            </p:txEl>
+                                          </p:spTgt>
+                                        </p:tgtEl>
+                                        <p:attrNameLst>
+                                          <p:attrName>ppt_y</p:attrName>
+                                        </p:attrNameLst>
+                                      </p:cBhvr>
+                                      <p:tavLst>
+                                        <p:tav tm="0">
+                                          <p:val>
+                                            <p:strVal val="#ppt_y"/>
+                                          </p:val>
+                                        </p:tav>
+                                        <p:tav tm="100000">
+                                          <p:val>
+                                            <p:strVal val="#ppt_y"/>
+                                          </p:val>
+                                        </p:tav>
+                                      </p:tavLst>
+                                    </p:anim>
+                                  </p:childTnLst>
+                                </p:cTn>
+                              </p:par>
+                            </p:childTnLst>
+                          </p:cTn>
+                        </p:par>
+                      </p:childTnLst>
+                    </p:cTn>
+                  </p:par>
+                </p:childTnLst>
+              </p:cTn>
+              <p:prevCondLst>
+                <p:cond evt="onPrev" delay="0">
+                  <p:tgtEl>
+                    <p:sldTgt/>
+                  </p:tgtEl>
+                </p:cond>
+              </p:prevCondLst>
+              <p:nextCondLst>
+                <p:cond evt="onNext" delay="0">
+                  <p:tgtEl>
+                    <p:sldTgt/>
+                  </p:tgtEl>
+                </p:cond>
+              </p:nextCondLst>
+            </p:seq>
+          </p:childTnLst>
+        </p:cTn>
+      </p:par>
+    </p:tnLst>
+    <p:bldLst>
+      <p:bldP spid="2" grpId="0"/>
+      <p:bldP spid="3" grpId="0" build="p"/>
+      <p:bldP spid="4" grpId="0"/>
+    </p:bldLst>
+  </p:timing>
+</p:sld>
+</file>
+
+<file path=ppt/slides/slide4.xml><?xml version="1.0" encoding="utf-8"?>
+<p:sld xmlns:a="http://schemas.openxmlformats.org/drawingml/2006/main" xmlns:r="http://schemas.openxmlformats.org/officeDocument/2006/relationships" xmlns:p="http://schemas.openxmlformats.org/presentationml/2006/main">
+  <p:cSld>
+    <p:bg>
+      <p:bgPr>
+        <a:blipFill dpi="0" rotWithShape="1">
+          <a:blip r:embed="rId2">
+            <a:lum/>
+          </a:blip>
+          <a:srcRect/>
+          <a:stretch>
+            <a:fillRect t="-39000" b="-39000"/>
+          </a:stretch>
+        </a:blipFill>
+        <a:effectLst/>
+      </p:bgPr>
+    </p:bg>
+    <p:spTree>
+      <p:nvGrpSpPr>
+        <p:cNvPr id="1" name=""/>
+        <p:cNvGrpSpPr/>
+        <p:nvPr/>
+      </p:nvGrpSpPr>
+      <p:grpSpPr>
+        <a:xfrm>
+          <a:off x="0" y="0"/>
+          <a:ext cx="0" cy="0"/>
+          <a:chOff x="0" y="0"/>
+          <a:chExt cx="0" cy="0"/>
+        </a:xfrm>
+      </p:grpSpPr>
+      <p:sp>
+        <p:nvSpPr>
+          <p:cNvPr id="2" name="Título 1"/>
+          <p:cNvSpPr>
+            <a:spLocks noGrp="1"/>
+          </p:cNvSpPr>
+          <p:nvPr>
+            <p:ph type="ctrTitle"/>
+          </p:nvPr>
+        </p:nvSpPr>
+        <p:spPr/>
+        <p:txBody>
+          <a:bodyPr>
+            <a:normAutofit/>
+          </a:bodyPr>
+          <a:lstStyle/>
+          <a:p>
+            <a:r>
+              <a:rPr lang="es-MX" sz="8800" dirty="0" smtClean="0">
+                <a:latin typeface="Impact" panose="020B0806030902050204" pitchFamily="34" charset="0"/>
+              </a:rPr>
+              <a:t> </a:t>
+            </a:r>
+            <a:endParaRPr lang="es-MX" sz="8800" dirty="0">
+              <a:latin typeface="Impact" panose="020B0806030902050204" pitchFamily="34" charset="0"/>
+            </a:endParaRPr>
+          </a:p>
+        </p:txBody>
+      </p:sp>
+      <p:sp>
+        <p:nvSpPr>
+          <p:cNvPr id="3" name="Subtítulo 2"/>
+          <p:cNvSpPr>
+            <a:spLocks noGrp="1"/>
+          </p:cNvSpPr>
+          <p:nvPr>
+            <p:ph type="subTitle" idx="1"/>
+          </p:nvPr>
+        </p:nvSpPr>
+        <p:spPr/>
+        <p:txBody>
+          <a:bodyPr/>
+          <a:lstStyle/>
+          <a:p>
+            <a:endParaRPr lang="es-MX" dirty="0"/>
+          </a:p>
+        </p:txBody>
+      </p:sp>
+    </p:spTree>
+    <p:extLst>
+      <p:ext uri="{BB962C8B-B14F-4D97-AF65-F5344CB8AC3E}">
+        <p14:creationId xmlns:p14="http://schemas.microsoft.com/office/powerpoint/2010/main" val="966618394"/>
+      </p:ext>
+    </p:extLst>
+  </p:cSld>
+  <p:clrMapOvr>
+    <a:masterClrMapping/>
+  </p:clrMapOvr>
+  <p:transition spd="slow">
+    <p:wipe/>
+  </p:transition>
+  <p:timing>
+    <p:tnLst>
+      <p:par>
+        <p:cTn id="1" dur="indefinite" restart="never" nodeType="tmRoot"/>
+      </p:par>
+    </p:tnLst>
+  </p:timing>
+</p:sld>
+</file>
+
+<file path=ppt/slides/slide5.xml><?xml version="1.0" encoding="utf-8"?>
+<p:sld xmlns:a="http://schemas.openxmlformats.org/drawingml/2006/main" xmlns:r="http://schemas.openxmlformats.org/officeDocument/2006/relationships" xmlns:p="http://schemas.openxmlformats.org/presentationml/2006/main">
+  <p:cSld>
+    <p:bg>
+      <p:bgPr>
+        <a:blipFill dpi="0" rotWithShape="1">
+          <a:blip r:embed="rId2">
+            <a:lum/>
+          </a:blip>
+          <a:srcRect/>
+          <a:stretch>
+            <a:fillRect t="-39000" b="-39000"/>
+          </a:stretch>
+        </a:blipFill>
+        <a:effectLst/>
+      </p:bgPr>
+    </p:bg>
+    <p:spTree>
+      <p:nvGrpSpPr>
+        <p:cNvPr id="1" name=""/>
+        <p:cNvGrpSpPr/>
+        <p:nvPr/>
+      </p:nvGrpSpPr>
+      <p:grpSpPr>
+        <a:xfrm>
+          <a:off x="0" y="0"/>
+          <a:ext cx="0" cy="0"/>
+          <a:chOff x="0" y="0"/>
+          <a:chExt cx="0" cy="0"/>
+        </a:xfrm>
+      </p:grpSpPr>
+      <p:sp>
+        <p:nvSpPr>
+          <p:cNvPr id="2" name="Título 1"/>
+          <p:cNvSpPr>
+            <a:spLocks noGrp="1"/>
+          </p:cNvSpPr>
+          <p:nvPr>
+            <p:ph type="ctrTitle"/>
+          </p:nvPr>
+        </p:nvSpPr>
+        <p:spPr/>
+        <p:txBody>
+          <a:bodyPr>
+            <a:normAutofit/>
+          </a:bodyPr>
+          <a:lstStyle/>
+          <a:p>
+            <a:r>
+              <a:rPr lang="es-MX" sz="8800" dirty="0" smtClean="0">
+                <a:latin typeface="Impact" panose="020B0806030902050204" pitchFamily="34" charset="0"/>
+              </a:rPr>
+              <a:t>Un poco de mi</a:t>
+            </a:r>
+            <a:endParaRPr lang="es-MX" sz="8800" dirty="0">
+              <a:latin typeface="Impact" panose="020B0806030902050204" pitchFamily="34" charset="0"/>
+            </a:endParaRPr>
+          </a:p>
+        </p:txBody>
+      </p:sp>
+      <p:sp>
+        <p:nvSpPr>
+          <p:cNvPr id="3" name="Subtítulo 2"/>
+          <p:cNvSpPr>
+            <a:spLocks noGrp="1"/>
+          </p:cNvSpPr>
+          <p:nvPr>
+            <p:ph type="subTitle" idx="1"/>
+          </p:nvPr>
+        </p:nvSpPr>
+        <p:spPr/>
+        <p:txBody>
+          <a:bodyPr/>
+          <a:lstStyle/>
+          <a:p>
+            <a:endParaRPr lang="es-MX" dirty="0"/>
+          </a:p>
+        </p:txBody>
+      </p:sp>
+      <p:pic>
+        <p:nvPicPr>
+          <p:cNvPr id="4" name="Imagen 3"/>
+          <p:cNvPicPr>
+            <a:picLocks noChangeAspect="1"/>
+          </p:cNvPicPr>
+          <p:nvPr/>
+        </p:nvPicPr>
+        <p:blipFill>
+          <a:blip r:embed="rId3">
+            <a:extLst>
+              <a:ext uri="{28A0092B-C50C-407E-A947-70E740481C1C}">
+                <a14:useLocalDpi xmlns:a14="http://schemas.microsoft.com/office/drawing/2010/main" val="0"/>
+              </a:ext>
+            </a:extLst>
+          </a:blip>
+          <a:stretch>
+            <a:fillRect/>
+          </a:stretch>
+        </p:blipFill>
+        <p:spPr>
+          <a:xfrm>
+            <a:off x="713694" y="3768226"/>
+            <a:ext cx="2143125" cy="2143125"/>
+          </a:xfrm>
+          <a:prstGeom prst="rect">
+            <a:avLst/>
+          </a:prstGeom>
+        </p:spPr>
+      </p:pic>
+      <p:pic>
+        <p:nvPicPr>
+          <p:cNvPr id="5" name="Imagen 4"/>
+          <p:cNvPicPr>
+            <a:picLocks noChangeAspect="1"/>
+          </p:cNvPicPr>
+          <p:nvPr/>
+        </p:nvPicPr>
+        <p:blipFill>
+          <a:blip r:embed="rId4">
+            <a:extLst>
+              <a:ext uri="{28A0092B-C50C-407E-A947-70E740481C1C}">
+                <a14:useLocalDpi xmlns:a14="http://schemas.microsoft.com/office/drawing/2010/main" val="0"/>
+              </a:ext>
+            </a:extLst>
+          </a:blip>
+          <a:stretch>
+            <a:fillRect/>
+          </a:stretch>
+        </p:blipFill>
+        <p:spPr>
+          <a:xfrm>
+            <a:off x="9782175" y="0"/>
+            <a:ext cx="2409825" cy="1895475"/>
+          </a:xfrm>
+          <a:prstGeom prst="rect">
+            <a:avLst/>
+          </a:prstGeom>
+        </p:spPr>
+      </p:pic>
+    </p:spTree>
+    <p:extLst>
+      <p:ext uri="{BB962C8B-B14F-4D97-AF65-F5344CB8AC3E}">
+        <p14:creationId xmlns:p14="http://schemas.microsoft.com/office/powerpoint/2010/main" val="3144488604"/>
+      </p:ext>
+    </p:extLst>
+  </p:cSld>
+  <p:clrMapOvr>
+    <a:masterClrMapping/>
+  </p:clrMapOvr>
+  <p:transition spd="slow" advTm="0">
+    <p:wipe/>
+  </p:transition>
+  <p:timing>
+    <p:tnLst>
+      <p:par>
+        <p:cTn id="1" dur="indefinite" restart="never" nodeType="tmRoot">
+          <p:childTnLst>
+            <p:seq concurrent="1" nextAc="seek">
+              <p:cTn id="2" dur="indefinite" nodeType="mainSeq">
+                <p:childTnLst>
+                  <p:par>
+                    <p:cTn id="3" fill="hold">
+                      <p:stCondLst>
+                        <p:cond delay="indefinite"/>
+                      </p:stCondLst>
+                      <p:childTnLst>
+                        <p:par>
+                          <p:cTn id="4" fill="hold">
+                            <p:stCondLst>
+                              <p:cond delay="0"/>
+                            </p:stCondLst>
+                            <p:childTnLst>
+                              <p:par>
+                                <p:cTn id="5" presetID="2" presetClass="entr" presetSubtype="4" fill="hold" grpId="0" nodeType="clickEffect">
+                                  <p:stCondLst>
+                                    <p:cond delay="0"/>
+                                  </p:stCondLst>
+                                  <p:childTnLst>
+                                    <p:set>
+                                      <p:cBhvr>
+                                        <p:cTn id="6" dur="1" fill="hold">
+                                          <p:stCondLst>
+                                            <p:cond delay="0"/>
+                                          </p:stCondLst>
+                                        </p:cTn>
+                                        <p:tgtEl>
+                                          <p:spTgt spid="2"/>
+                                        </p:tgtEl>
+                                        <p:attrNameLst>
+                                          <p:attrName>style.visibility</p:attrName>
+                                        </p:attrNameLst>
+                                      </p:cBhvr>
+                                      <p:to>
+                                        <p:strVal val="visible"/>
+                                      </p:to>
+                                    </p:set>
+                                    <p:anim calcmode="lin" valueType="num">
+                                      <p:cBhvr additive="base">
+                                        <p:cTn id="7" dur="500" fill="hold"/>
+                                        <p:tgtEl>
+                                          <p:spTgt spid="2"/>
+                                        </p:tgtEl>
+                                        <p:attrNameLst>
+                                          <p:attrName>ppt_x</p:attrName>
+                                        </p:attrNameLst>
+                                      </p:cBhvr>
+                                      <p:tavLst>
+                                        <p:tav tm="0">
+                                          <p:val>
+                                            <p:strVal val="#ppt_x"/>
+                                          </p:val>
+                                        </p:tav>
+                                        <p:tav tm="100000">
+                                          <p:val>
+                                            <p:strVal val="#ppt_x"/>
+                                          </p:val>
+                                        </p:tav>
+                                      </p:tavLst>
+                                    </p:anim>
+                                    <p:anim calcmode="lin" valueType="num">
+                                      <p:cBhvr additive="base">
+                                        <p:cTn id="8" dur="500" fill="hold"/>
+                                        <p:tgtEl>
+                                          <p:spTgt spid="2"/>
+                                        </p:tgtEl>
+                                        <p:attrNameLst>
+                                          <p:attrName>ppt_y</p:attrName>
+                                        </p:attrNameLst>
+                                      </p:cBhvr>
+                                      <p:tavLst>
+                                        <p:tav tm="0">
+                                          <p:val>
+                                            <p:strVal val="1+#ppt_h/2"/>
+                                          </p:val>
+                                        </p:tav>
+                                        <p:tav tm="100000">
+                                          <p:val>
+                                            <p:strVal val="#ppt_y"/>
+                                          </p:val>
+                                        </p:tav>
+                                      </p:tavLst>
+                                    </p:anim>
+                                  </p:childTnLst>
+                                </p:cTn>
+                              </p:par>
+                            </p:childTnLst>
+                          </p:cTn>
+                        </p:par>
+                      </p:childTnLst>
+                    </p:cTn>
+                  </p:par>
+                  <p:par>
+                    <p:cTn id="9" fill="hold">
+                      <p:stCondLst>
+                        <p:cond delay="indefinite"/>
+                      </p:stCondLst>
+                      <p:childTnLst>
+                        <p:par>
+                          <p:cTn id="10" fill="hold">
+                            <p:stCondLst>
+                              <p:cond delay="0"/>
+                            </p:stCondLst>
+                            <p:childTnLst>
+                              <p:par>
+                                <p:cTn id="11" presetID="2" presetClass="entr" presetSubtype="4" fill="hold" nodeType="clickEffect">
+                                  <p:stCondLst>
+                                    <p:cond delay="0"/>
+                                  </p:stCondLst>
+                                  <p:childTnLst>
+                                    <p:set>
+                                      <p:cBhvr>
+                                        <p:cTn id="12" dur="1" fill="hold">
+                                          <p:stCondLst>
+                                            <p:cond delay="0"/>
+                                          </p:stCondLst>
+                                        </p:cTn>
+                                        <p:tgtEl>
+                                          <p:spTgt spid="5"/>
+                                        </p:tgtEl>
+                                        <p:attrNameLst>
+                                          <p:attrName>style.visibility</p:attrName>
+                                        </p:attrNameLst>
+                                      </p:cBhvr>
+                                      <p:to>
+                                        <p:strVal val="visible"/>
+                                      </p:to>
+                                    </p:set>
+                                    <p:anim calcmode="lin" valueType="num">
+                                      <p:cBhvr additive="base">
+                                        <p:cTn id="13" dur="500" fill="hold"/>
+                                        <p:tgtEl>
+                                          <p:spTgt spid="5"/>
+                                        </p:tgtEl>
+                                        <p:attrNameLst>
+                                          <p:attrName>ppt_x</p:attrName>
+                                        </p:attrNameLst>
+                                      </p:cBhvr>
+                                      <p:tavLst>
+                                        <p:tav tm="0">
+                                          <p:val>
+                                            <p:strVal val="#ppt_x"/>
+                                          </p:val>
+                                        </p:tav>
+                                        <p:tav tm="100000">
+                                          <p:val>
+                                            <p:strVal val="#ppt_x"/>
+                                          </p:val>
+                                        </p:tav>
+                                      </p:tavLst>
+                                    </p:anim>
+                                    <p:anim calcmode="lin" valueType="num">
+                                      <p:cBhvr additive="base">
+                                        <p:cTn id="14" dur="500" fill="hold"/>
+                                        <p:tgtEl>
+                                          <p:spTgt spid="5"/>
+                                        </p:tgtEl>
+                                        <p:attrNameLst>
+                                          <p:attrName>ppt_y</p:attrName>
+                                        </p:attrNameLst>
+                                      </p:cBhvr>
+                                      <p:tavLst>
+                                        <p:tav tm="0">
+                                          <p:val>
+                                            <p:strVal val="1+#ppt_h/2"/>
+                                          </p:val>
+                                        </p:tav>
+                                        <p:tav tm="100000">
+                                          <p:val>
+                                            <p:strVal val="#ppt_y"/>
+                                          </p:val>
+                                        </p:tav>
+                                      </p:tavLst>
+                                    </p:anim>
+                                  </p:childTnLst>
+                                </p:cTn>
+                              </p:par>
+                            </p:childTnLst>
+                          </p:cTn>
+                        </p:par>
+                      </p:childTnLst>
+                    </p:cTn>
+                  </p:par>
+                  <p:par>
+                    <p:cTn id="15" fill="hold">
+                      <p:stCondLst>
+                        <p:cond delay="indefinite"/>
+                      </p:stCondLst>
+                      <p:childTnLst>
+                        <p:par>
+                          <p:cTn id="16" fill="hold">
+                            <p:stCondLst>
+                              <p:cond delay="0"/>
+                            </p:stCondLst>
+                            <p:childTnLst>
+                              <p:par>
+                                <p:cTn id="17" presetID="2" presetClass="entr" presetSubtype="1" fill="hold" nodeType="clickEffect">
+                                  <p:stCondLst>
+                                    <p:cond delay="0"/>
+                                  </p:stCondLst>
+                                  <p:childTnLst>
+                                    <p:set>
+                                      <p:cBhvr>
+                                        <p:cTn id="18" dur="1" fill="hold">
+                                          <p:stCondLst>
+                                            <p:cond delay="0"/>
+                                          </p:stCondLst>
+                                        </p:cTn>
+                                        <p:tgtEl>
+                                          <p:spTgt spid="4"/>
+                                        </p:tgtEl>
+                                        <p:attrNameLst>
+                                          <p:attrName>style.visibility</p:attrName>
+                                        </p:attrNameLst>
+                                      </p:cBhvr>
+                                      <p:to>
+                                        <p:strVal val="visible"/>
+                                      </p:to>
+                                    </p:set>
+                                    <p:anim calcmode="lin" valueType="num">
+                                      <p:cBhvr additive="base">
+                                        <p:cTn id="19" dur="500" fill="hold"/>
+                                        <p:tgtEl>
+                                          <p:spTgt spid="4"/>
+                                        </p:tgtEl>
+                                        <p:attrNameLst>
+                                          <p:attrName>ppt_x</p:attrName>
+                                        </p:attrNameLst>
+                                      </p:cBhvr>
+                                      <p:tavLst>
+                                        <p:tav tm="0">
+                                          <p:val>
+                                            <p:strVal val="#ppt_x"/>
+                                          </p:val>
+                                        </p:tav>
+                                        <p:tav tm="100000">
+                                          <p:val>
+                                            <p:strVal val="#ppt_x"/>
+                                          </p:val>
+                                        </p:tav>
+                                      </p:tavLst>
+                                    </p:anim>
+                                    <p:anim calcmode="lin" valueType="num">
+                                      <p:cBhvr additive="base">
+                                        <p:cTn id="20" dur="500" fill="hold"/>
+                                        <p:tgtEl>
+                                          <p:spTgt spid="4"/>
+                                        </p:tgtEl>
+                                        <p:attrNameLst>
+                                          <p:attrName>ppt_y</p:attrName>
+                                        </p:attrNameLst>
+                                      </p:cBhvr>
+                                      <p:tavLst>
+                                        <p:tav tm="0">
+                                          <p:val>
+                                            <p:strVal val="0-#ppt_h/2"/>
+                                          </p:val>
+                                        </p:tav>
+                                        <p:tav tm="100000">
+                                          <p:val>
+                                            <p:strVal val="#ppt_y"/>
+                                          </p:val>
+                                        </p:tav>
+                                      </p:tavLst>
+                                    </p:anim>
+                                  </p:childTnLst>
+                                </p:cTn>
+                              </p:par>
+                            </p:childTnLst>
+                          </p:cTn>
+                        </p:par>
+                      </p:childTnLst>
+                    </p:cTn>
+                  </p:par>
+                </p:childTnLst>
+              </p:cTn>
+              <p:prevCondLst>
+                <p:cond evt="onPrev" delay="0">
+                  <p:tgtEl>
+                    <p:sldTgt/>
+                  </p:tgtEl>
+                </p:cond>
+              </p:prevCondLst>
+              <p:nextCondLst>
+                <p:cond evt="onNext" delay="0">
+                  <p:tgtEl>
+                    <p:sldTgt/>
+                  </p:tgtEl>
+                </p:cond>
+              </p:nextCondLst>
+            </p:seq>
+          </p:childTnLst>
+        </p:cTn>
+      </p:par>
+    </p:tnLst>
+    <p:bldLst>
+      <p:bldP spid="2" grpId="0"/>
+    </p:bldLst>
+  </p:timing>
+</p:sld>
+</file>
+
+<file path=ppt/slides/slide6.xml><?xml version="1.0" encoding="utf-8"?>
+<p:sld xmlns:a="http://schemas.openxmlformats.org/drawingml/2006/main" xmlns:r="http://schemas.openxmlformats.org/officeDocument/2006/relationships" xmlns:p="http://schemas.openxmlformats.org/presentationml/2006/main">
+  <p:cSld>
+    <p:bg>
+      <p:bgPr>
+        <a:blipFill dpi="0" rotWithShape="1">
+          <a:blip r:embed="rId2">
+            <a:lum/>
+          </a:blip>
+          <a:srcRect/>
+          <a:stretch>
+            <a:fillRect t="-39000" b="-39000"/>
+          </a:stretch>
+        </a:blipFill>
+        <a:effectLst/>
+      </p:bgPr>
+    </p:bg>
+    <p:spTree>
+      <p:nvGrpSpPr>
+        <p:cNvPr id="1" name=""/>
+        <p:cNvGrpSpPr/>
+        <p:nvPr/>
+      </p:nvGrpSpPr>
+      <p:grpSpPr>
+        <a:xfrm>
+          <a:off x="0" y="0"/>
+          <a:ext cx="0" cy="0"/>
+          <a:chOff x="0" y="0"/>
+          <a:chExt cx="0" cy="0"/>
+        </a:xfrm>
+      </p:grpSpPr>
+      <p:sp>
+        <p:nvSpPr>
+          <p:cNvPr id="2" name="Título 1"/>
+          <p:cNvSpPr>
+            <a:spLocks noGrp="1"/>
+          </p:cNvSpPr>
+          <p:nvPr>
+            <p:ph type="ctrTitle"/>
+          </p:nvPr>
+        </p:nvSpPr>
+        <p:spPr/>
+        <p:txBody>
+          <a:bodyPr>
+            <a:normAutofit fontScale="90000"/>
+          </a:bodyPr>
+          <a:lstStyle/>
+          <a:p>
+            <a:r>
+              <a:rPr lang="es-MX" sz="8800" dirty="0" smtClean="0">
+                <a:latin typeface="Impact" panose="020B0806030902050204" pitchFamily="34" charset="0"/>
+              </a:rPr>
+              <a:t>Cosas que me gustan</a:t>
+            </a:r>
+            <a:endParaRPr lang="es-MX" sz="8800" dirty="0">
+              <a:latin typeface="Impact" panose="020B0806030902050204" pitchFamily="34" charset="0"/>
+            </a:endParaRPr>
+          </a:p>
+        </p:txBody>
+      </p:sp>
+      <p:sp>
+        <p:nvSpPr>
+          <p:cNvPr id="3" name="Subtítulo 2"/>
+          <p:cNvSpPr>
+            <a:spLocks noGrp="1"/>
+          </p:cNvSpPr>
+          <p:nvPr>
+            <p:ph type="subTitle" idx="1"/>
+          </p:nvPr>
+        </p:nvSpPr>
+        <p:spPr/>
+        <p:txBody>
+          <a:bodyPr/>
+          <a:lstStyle/>
+          <a:p>
+            <a:endParaRPr lang="es-MX" dirty="0"/>
+          </a:p>
+        </p:txBody>
+      </p:sp>
+    </p:spTree>
+    <p:extLst>
+      <p:ext uri="{BB962C8B-B14F-4D97-AF65-F5344CB8AC3E}">
+        <p14:creationId xmlns:p14="http://schemas.microsoft.com/office/powerpoint/2010/main" val="2158603486"/>
+      </p:ext>
+    </p:extLst>
+  </p:cSld>
+  <p:clrMapOvr>
+    <a:masterClrMapping/>
+  </p:clrMapOvr>
+  <p:transition spd="slow">
+    <p:wipe/>
+  </p:transition>
+  <p:timing>
+    <p:tnLst>
+      <p:par>
+        <p:cTn id="1" dur="indefinite" restart="never" nodeType="tmRoot"/>
+      </p:par>
+    </p:tnLst>
+  </p:timing>
+</p:sld>
+</file>
+
 <file path=ppt/slides/slide7.xml><?xml version="1.0" encoding="utf-8"?>
 <p:sld xmlns:a="http://schemas.openxmlformats.org/drawingml/2006/main" xmlns:r="http://schemas.openxmlformats.org/officeDocument/2006/relationships" xmlns:p="http://schemas.openxmlformats.org/presentationml/2006/main">
   <p:cSld>
@@ -3904,7 +4926,7 @@
         <p:spPr/>
         <p:txBody>
           <a:bodyPr>
-            <a:normAutofit fontScale="90000"/>
+            <a:normAutofit/>
           </a:bodyPr>
           <a:lstStyle/>
           <a:p>
@@ -3912,13 +4934,7 @@
               <a:rPr lang="es-MX" sz="8800" dirty="0" smtClean="0">
                 <a:latin typeface="Impact" panose="020B0806030902050204" pitchFamily="34" charset="0"/>
               </a:rPr>
-              <a:t>Gracias por su </a:t>
-            </a:r>
-            <a:r>
-              <a:rPr lang="es-MX" sz="8800" dirty="0" err="1" smtClean="0">
-                <a:latin typeface="Impact" panose="020B0806030902050204" pitchFamily="34" charset="0"/>
-              </a:rPr>
-              <a:t>atencion</a:t>
+              <a:t>Software en 3d</a:t>
             </a:r>
             <a:endParaRPr lang="es-MX" sz="8800" dirty="0">
               <a:latin typeface="Impact" panose="020B0806030902050204" pitchFamily="34" charset="0"/>
@@ -3941,18 +4957,389 @@
           <a:bodyPr/>
           <a:lstStyle/>
           <a:p>
-            <a:r>
-              <a:rPr lang="es-MX" dirty="0" smtClean="0"/>
-              <a:t>Juan Antonio moreno santana</a:t>
-            </a:r>
             <a:endParaRPr lang="es-MX" dirty="0"/>
           </a:p>
         </p:txBody>
       </p:sp>
+      <p:pic>
+        <p:nvPicPr>
+          <p:cNvPr id="4" name="Imagen 3"/>
+          <p:cNvPicPr>
+            <a:picLocks noChangeAspect="1"/>
+          </p:cNvPicPr>
+          <p:nvPr/>
+        </p:nvPicPr>
+        <p:blipFill>
+          <a:blip r:embed="rId3">
+            <a:extLst>
+              <a:ext uri="{28A0092B-C50C-407E-A947-70E740481C1C}">
+                <a14:useLocalDpi xmlns:a14="http://schemas.microsoft.com/office/drawing/2010/main" val="0"/>
+              </a:ext>
+            </a:extLst>
+          </a:blip>
+          <a:stretch>
+            <a:fillRect/>
+          </a:stretch>
+        </p:blipFill>
+        <p:spPr>
+          <a:xfrm>
+            <a:off x="5024437" y="3509963"/>
+            <a:ext cx="2143125" cy="2143125"/>
+          </a:xfrm>
+          <a:prstGeom prst="rect">
+            <a:avLst/>
+          </a:prstGeom>
+        </p:spPr>
+      </p:pic>
     </p:spTree>
     <p:extLst>
       <p:ext uri="{BB962C8B-B14F-4D97-AF65-F5344CB8AC3E}">
-        <p14:creationId xmlns:p14="http://schemas.microsoft.com/office/powerpoint/2010/main" val="2273320189"/>
+        <p14:creationId xmlns:p14="http://schemas.microsoft.com/office/powerpoint/2010/main" val="935725114"/>
+      </p:ext>
+    </p:extLst>
+  </p:cSld>
+  <p:clrMapOvr>
+    <a:masterClrMapping/>
+  </p:clrMapOvr>
+  <p:transition spd="slow">
+    <p:wipe/>
+  </p:transition>
+  <p:timing>
+    <p:tnLst>
+      <p:par>
+        <p:cTn id="1" dur="indefinite" restart="never" nodeType="tmRoot">
+          <p:childTnLst>
+            <p:seq concurrent="1" nextAc="seek">
+              <p:cTn id="2" dur="indefinite" nodeType="mainSeq">
+                <p:childTnLst>
+                  <p:par>
+                    <p:cTn id="3" fill="hold">
+                      <p:stCondLst>
+                        <p:cond delay="indefinite"/>
+                      </p:stCondLst>
+                      <p:childTnLst>
+                        <p:par>
+                          <p:cTn id="4" fill="hold">
+                            <p:stCondLst>
+                              <p:cond delay="0"/>
+                            </p:stCondLst>
+                            <p:childTnLst>
+                              <p:par>
+                                <p:cTn id="5" presetID="2" presetClass="entr" presetSubtype="8" fill="hold" grpId="0" nodeType="clickEffect">
+                                  <p:stCondLst>
+                                    <p:cond delay="0"/>
+                                  </p:stCondLst>
+                                  <p:childTnLst>
+                                    <p:set>
+                                      <p:cBhvr>
+                                        <p:cTn id="6" dur="1" fill="hold">
+                                          <p:stCondLst>
+                                            <p:cond delay="0"/>
+                                          </p:stCondLst>
+                                        </p:cTn>
+                                        <p:tgtEl>
+                                          <p:spTgt spid="2"/>
+                                        </p:tgtEl>
+                                        <p:attrNameLst>
+                                          <p:attrName>style.visibility</p:attrName>
+                                        </p:attrNameLst>
+                                      </p:cBhvr>
+                                      <p:to>
+                                        <p:strVal val="visible"/>
+                                      </p:to>
+                                    </p:set>
+                                    <p:anim calcmode="lin" valueType="num">
+                                      <p:cBhvr additive="base">
+                                        <p:cTn id="7" dur="500" fill="hold"/>
+                                        <p:tgtEl>
+                                          <p:spTgt spid="2"/>
+                                        </p:tgtEl>
+                                        <p:attrNameLst>
+                                          <p:attrName>ppt_x</p:attrName>
+                                        </p:attrNameLst>
+                                      </p:cBhvr>
+                                      <p:tavLst>
+                                        <p:tav tm="0">
+                                          <p:val>
+                                            <p:strVal val="0-#ppt_w/2"/>
+                                          </p:val>
+                                        </p:tav>
+                                        <p:tav tm="100000">
+                                          <p:val>
+                                            <p:strVal val="#ppt_x"/>
+                                          </p:val>
+                                        </p:tav>
+                                      </p:tavLst>
+                                    </p:anim>
+                                    <p:anim calcmode="lin" valueType="num">
+                                      <p:cBhvr additive="base">
+                                        <p:cTn id="8" dur="500" fill="hold"/>
+                                        <p:tgtEl>
+                                          <p:spTgt spid="2"/>
+                                        </p:tgtEl>
+                                        <p:attrNameLst>
+                                          <p:attrName>ppt_y</p:attrName>
+                                        </p:attrNameLst>
+                                      </p:cBhvr>
+                                      <p:tavLst>
+                                        <p:tav tm="0">
+                                          <p:val>
+                                            <p:strVal val="#ppt_y"/>
+                                          </p:val>
+                                        </p:tav>
+                                        <p:tav tm="100000">
+                                          <p:val>
+                                            <p:strVal val="#ppt_y"/>
+                                          </p:val>
+                                        </p:tav>
+                                      </p:tavLst>
+                                    </p:anim>
+                                  </p:childTnLst>
+                                </p:cTn>
+                              </p:par>
+                            </p:childTnLst>
+                          </p:cTn>
+                        </p:par>
+                      </p:childTnLst>
+                    </p:cTn>
+                  </p:par>
+                  <p:par>
+                    <p:cTn id="9" fill="hold">
+                      <p:stCondLst>
+                        <p:cond delay="indefinite"/>
+                      </p:stCondLst>
+                      <p:childTnLst>
+                        <p:par>
+                          <p:cTn id="10" fill="hold">
+                            <p:stCondLst>
+                              <p:cond delay="0"/>
+                            </p:stCondLst>
+                            <p:childTnLst>
+                              <p:par>
+                                <p:cTn id="11" presetID="2" presetClass="entr" presetSubtype="4" fill="hold" nodeType="clickEffect">
+                                  <p:stCondLst>
+                                    <p:cond delay="0"/>
+                                  </p:stCondLst>
+                                  <p:childTnLst>
+                                    <p:set>
+                                      <p:cBhvr>
+                                        <p:cTn id="12" dur="1" fill="hold">
+                                          <p:stCondLst>
+                                            <p:cond delay="0"/>
+                                          </p:stCondLst>
+                                        </p:cTn>
+                                        <p:tgtEl>
+                                          <p:spTgt spid="4"/>
+                                        </p:tgtEl>
+                                        <p:attrNameLst>
+                                          <p:attrName>style.visibility</p:attrName>
+                                        </p:attrNameLst>
+                                      </p:cBhvr>
+                                      <p:to>
+                                        <p:strVal val="visible"/>
+                                      </p:to>
+                                    </p:set>
+                                    <p:anim calcmode="lin" valueType="num">
+                                      <p:cBhvr additive="base">
+                                        <p:cTn id="13" dur="500" fill="hold"/>
+                                        <p:tgtEl>
+                                          <p:spTgt spid="4"/>
+                                        </p:tgtEl>
+                                        <p:attrNameLst>
+                                          <p:attrName>ppt_x</p:attrName>
+                                        </p:attrNameLst>
+                                      </p:cBhvr>
+                                      <p:tavLst>
+                                        <p:tav tm="0">
+                                          <p:val>
+                                            <p:strVal val="#ppt_x"/>
+                                          </p:val>
+                                        </p:tav>
+                                        <p:tav tm="100000">
+                                          <p:val>
+                                            <p:strVal val="#ppt_x"/>
+                                          </p:val>
+                                        </p:tav>
+                                      </p:tavLst>
+                                    </p:anim>
+                                    <p:anim calcmode="lin" valueType="num">
+                                      <p:cBhvr additive="base">
+                                        <p:cTn id="14" dur="500" fill="hold"/>
+                                        <p:tgtEl>
+                                          <p:spTgt spid="4"/>
+                                        </p:tgtEl>
+                                        <p:attrNameLst>
+                                          <p:attrName>ppt_y</p:attrName>
+                                        </p:attrNameLst>
+                                      </p:cBhvr>
+                                      <p:tavLst>
+                                        <p:tav tm="0">
+                                          <p:val>
+                                            <p:strVal val="1+#ppt_h/2"/>
+                                          </p:val>
+                                        </p:tav>
+                                        <p:tav tm="100000">
+                                          <p:val>
+                                            <p:strVal val="#ppt_y"/>
+                                          </p:val>
+                                        </p:tav>
+                                      </p:tavLst>
+                                    </p:anim>
+                                  </p:childTnLst>
+                                </p:cTn>
+                              </p:par>
+                            </p:childTnLst>
+                          </p:cTn>
+                        </p:par>
+                      </p:childTnLst>
+                    </p:cTn>
+                  </p:par>
+                </p:childTnLst>
+              </p:cTn>
+              <p:prevCondLst>
+                <p:cond evt="onPrev" delay="0">
+                  <p:tgtEl>
+                    <p:sldTgt/>
+                  </p:tgtEl>
+                </p:cond>
+              </p:prevCondLst>
+              <p:nextCondLst>
+                <p:cond evt="onNext" delay="0">
+                  <p:tgtEl>
+                    <p:sldTgt/>
+                  </p:tgtEl>
+                </p:cond>
+              </p:nextCondLst>
+            </p:seq>
+          </p:childTnLst>
+        </p:cTn>
+      </p:par>
+    </p:tnLst>
+    <p:bldLst>
+      <p:bldP spid="2" grpId="0"/>
+    </p:bldLst>
+  </p:timing>
+</p:sld>
+</file>
+
+<file path=ppt/slides/slide8.xml><?xml version="1.0" encoding="utf-8"?>
+<p:sld xmlns:a="http://schemas.openxmlformats.org/drawingml/2006/main" xmlns:r="http://schemas.openxmlformats.org/officeDocument/2006/relationships" xmlns:p="http://schemas.openxmlformats.org/presentationml/2006/main">
+  <p:cSld>
+    <p:bg>
+      <p:bgPr>
+        <a:blipFill dpi="0" rotWithShape="1">
+          <a:blip r:embed="rId2">
+            <a:lum/>
+          </a:blip>
+          <a:srcRect/>
+          <a:stretch>
+            <a:fillRect t="-39000" b="-39000"/>
+          </a:stretch>
+        </a:blipFill>
+        <a:effectLst/>
+      </p:bgPr>
+    </p:bg>
+    <p:spTree>
+      <p:nvGrpSpPr>
+        <p:cNvPr id="1" name=""/>
+        <p:cNvGrpSpPr/>
+        <p:nvPr/>
+      </p:nvGrpSpPr>
+      <p:grpSpPr>
+        <a:xfrm>
+          <a:off x="0" y="0"/>
+          <a:ext cx="0" cy="0"/>
+          <a:chOff x="0" y="0"/>
+          <a:chExt cx="0" cy="0"/>
+        </a:xfrm>
+      </p:grpSpPr>
+      <p:sp>
+        <p:nvSpPr>
+          <p:cNvPr id="2" name="Título 1"/>
+          <p:cNvSpPr>
+            <a:spLocks noGrp="1"/>
+          </p:cNvSpPr>
+          <p:nvPr>
+            <p:ph type="ctrTitle"/>
+          </p:nvPr>
+        </p:nvSpPr>
+        <p:spPr/>
+        <p:txBody>
+          <a:bodyPr>
+            <a:normAutofit/>
+          </a:bodyPr>
+          <a:lstStyle/>
+          <a:p>
+            <a:r>
+              <a:rPr lang="es-MX" sz="8800" dirty="0" smtClean="0">
+                <a:latin typeface="Impact" panose="020B0806030902050204" pitchFamily="34" charset="0"/>
+              </a:rPr>
+              <a:t>LEER</a:t>
+            </a:r>
+            <a:endParaRPr lang="es-MX" sz="8800" dirty="0">
+              <a:latin typeface="Impact" panose="020B0806030902050204" pitchFamily="34" charset="0"/>
+            </a:endParaRPr>
+          </a:p>
+        </p:txBody>
+      </p:sp>
+      <p:sp>
+        <p:nvSpPr>
+          <p:cNvPr id="3" name="Subtítulo 2"/>
+          <p:cNvSpPr>
+            <a:spLocks noGrp="1"/>
+          </p:cNvSpPr>
+          <p:nvPr>
+            <p:ph type="subTitle" idx="1"/>
+          </p:nvPr>
+        </p:nvSpPr>
+        <p:spPr>
+          <a:xfrm>
+            <a:off x="1524000" y="3693478"/>
+            <a:ext cx="9144000" cy="1655762"/>
+          </a:xfrm>
+        </p:spPr>
+        <p:txBody>
+          <a:bodyPr/>
+          <a:lstStyle/>
+          <a:p>
+            <a:endParaRPr lang="es-MX" dirty="0"/>
+          </a:p>
+        </p:txBody>
+      </p:sp>
+      <p:pic>
+        <p:nvPicPr>
+          <p:cNvPr id="4" name="Imagen 3"/>
+          <p:cNvPicPr>
+            <a:picLocks noChangeAspect="1"/>
+          </p:cNvPicPr>
+          <p:nvPr/>
+        </p:nvPicPr>
+        <p:blipFill>
+          <a:blip r:embed="rId3">
+            <a:extLst>
+              <a:ext uri="{28A0092B-C50C-407E-A947-70E740481C1C}">
+                <a14:useLocalDpi xmlns:a14="http://schemas.microsoft.com/office/drawing/2010/main" val="0"/>
+              </a:ext>
+            </a:extLst>
+          </a:blip>
+          <a:stretch>
+            <a:fillRect/>
+          </a:stretch>
+        </p:blipFill>
+        <p:spPr>
+          <a:xfrm>
+            <a:off x="292962" y="1135084"/>
+            <a:ext cx="4305164" cy="3386275"/>
+          </a:xfrm>
+          <a:prstGeom prst="rect">
+            <a:avLst/>
+          </a:prstGeom>
+        </p:spPr>
+      </p:pic>
+    </p:spTree>
+    <p:extLst>
+      <p:ext uri="{BB962C8B-B14F-4D97-AF65-F5344CB8AC3E}">
+        <p14:creationId xmlns:p14="http://schemas.microsoft.com/office/powerpoint/2010/main" val="923140112"/>
       </p:ext>
     </p:extLst>
   </p:cSld>
@@ -3961,13 +5348,13 @@
   </p:clrMapOvr>
   <mc:AlternateContent xmlns:mc="http://schemas.openxmlformats.org/markup-compatibility/2006">
     <mc:Choice xmlns:p14="http://schemas.microsoft.com/office/powerpoint/2010/main" Requires="p14">
-      <p:transition p14:dur="100">
-        <p:cut/>
+      <p:transition spd="slow" p14:dur="3000">
+        <p14:shred/>
       </p:transition>
     </mc:Choice>
     <mc:Fallback>
-      <p:transition>
-        <p:cut/>
+      <p:transition spd="slow">
+        <p:fade/>
       </p:transition>
     </mc:Fallback>
   </mc:AlternateContent>
@@ -3992,7 +5379,7 @@
                             </p:stCondLst>
                             <p:childTnLst>
                               <p:par>
-                                <p:cTn id="5" presetID="42" presetClass="entr" presetSubtype="0" fill="hold" grpId="0" nodeType="clickEffect">
+                                <p:cTn id="5" presetID="6" presetClass="entr" presetSubtype="16" fill="hold" grpId="0" nodeType="clickEffect">
                                   <p:stCondLst>
                                     <p:cond delay="0"/>
                                   </p:stCondLst>
@@ -4015,17 +5402,320 @@
                                         <p:strVal val="visible"/>
                                       </p:to>
                                     </p:set>
-                                    <p:animEffect transition="in" filter="fade">
+                                    <p:animEffect transition="in" filter="circle(in)">
                                       <p:cBhvr>
-                                        <p:cTn id="7" dur="1000"/>
+                                        <p:cTn id="7" dur="2000"/>
                                         <p:tgtEl>
                                           <p:spTgt spid="2"/>
                                         </p:tgtEl>
                                       </p:cBhvr>
                                     </p:animEffect>
+                                  </p:childTnLst>
+                                </p:cTn>
+                              </p:par>
+                            </p:childTnLst>
+                          </p:cTn>
+                        </p:par>
+                      </p:childTnLst>
+                    </p:cTn>
+                  </p:par>
+                  <p:par>
+                    <p:cTn id="8" fill="hold">
+                      <p:stCondLst>
+                        <p:cond delay="indefinite"/>
+                      </p:stCondLst>
+                      <p:childTnLst>
+                        <p:par>
+                          <p:cTn id="9" fill="hold">
+                            <p:stCondLst>
+                              <p:cond delay="0"/>
+                            </p:stCondLst>
+                            <p:childTnLst>
+                              <p:par>
+                                <p:cTn id="10" presetID="2" presetClass="entr" presetSubtype="12" fill="hold" nodeType="clickEffect">
+                                  <p:stCondLst>
+                                    <p:cond delay="0"/>
+                                  </p:stCondLst>
+                                  <p:childTnLst>
+                                    <p:set>
+                                      <p:cBhvr>
+                                        <p:cTn id="11" dur="1" fill="hold">
+                                          <p:stCondLst>
+                                            <p:cond delay="0"/>
+                                          </p:stCondLst>
+                                        </p:cTn>
+                                        <p:tgtEl>
+                                          <p:spTgt spid="4"/>
+                                        </p:tgtEl>
+                                        <p:attrNameLst>
+                                          <p:attrName>style.visibility</p:attrName>
+                                        </p:attrNameLst>
+                                      </p:cBhvr>
+                                      <p:to>
+                                        <p:strVal val="visible"/>
+                                      </p:to>
+                                    </p:set>
                                     <p:anim calcmode="lin" valueType="num">
+                                      <p:cBhvr additive="base">
+                                        <p:cTn id="12" dur="1000" fill="hold"/>
+                                        <p:tgtEl>
+                                          <p:spTgt spid="4"/>
+                                        </p:tgtEl>
+                                        <p:attrNameLst>
+                                          <p:attrName>ppt_x</p:attrName>
+                                        </p:attrNameLst>
+                                      </p:cBhvr>
+                                      <p:tavLst>
+                                        <p:tav tm="0">
+                                          <p:val>
+                                            <p:strVal val="0-#ppt_w/2"/>
+                                          </p:val>
+                                        </p:tav>
+                                        <p:tav tm="100000">
+                                          <p:val>
+                                            <p:strVal val="#ppt_x"/>
+                                          </p:val>
+                                        </p:tav>
+                                      </p:tavLst>
+                                    </p:anim>
+                                    <p:anim calcmode="lin" valueType="num">
+                                      <p:cBhvr additive="base">
+                                        <p:cTn id="13" dur="1000" fill="hold"/>
+                                        <p:tgtEl>
+                                          <p:spTgt spid="4"/>
+                                        </p:tgtEl>
+                                        <p:attrNameLst>
+                                          <p:attrName>ppt_y</p:attrName>
+                                        </p:attrNameLst>
+                                      </p:cBhvr>
+                                      <p:tavLst>
+                                        <p:tav tm="0">
+                                          <p:val>
+                                            <p:strVal val="1+#ppt_h/2"/>
+                                          </p:val>
+                                        </p:tav>
+                                        <p:tav tm="100000">
+                                          <p:val>
+                                            <p:strVal val="#ppt_y"/>
+                                          </p:val>
+                                        </p:tav>
+                                      </p:tavLst>
+                                    </p:anim>
+                                  </p:childTnLst>
+                                </p:cTn>
+                              </p:par>
+                            </p:childTnLst>
+                          </p:cTn>
+                        </p:par>
+                      </p:childTnLst>
+                    </p:cTn>
+                  </p:par>
+                </p:childTnLst>
+              </p:cTn>
+              <p:prevCondLst>
+                <p:cond evt="onPrev" delay="0">
+                  <p:tgtEl>
+                    <p:sldTgt/>
+                  </p:tgtEl>
+                </p:cond>
+              </p:prevCondLst>
+              <p:nextCondLst>
+                <p:cond evt="onNext" delay="0">
+                  <p:tgtEl>
+                    <p:sldTgt/>
+                  </p:tgtEl>
+                </p:cond>
+              </p:nextCondLst>
+            </p:seq>
+          </p:childTnLst>
+        </p:cTn>
+      </p:par>
+    </p:tnLst>
+    <p:bldLst>
+      <p:bldP spid="2" grpId="0"/>
+    </p:bldLst>
+  </p:timing>
+</p:sld>
+</file>
+
+<file path=ppt/slides/slide9.xml><?xml version="1.0" encoding="utf-8"?>
+<p:sld xmlns:a="http://schemas.openxmlformats.org/drawingml/2006/main" xmlns:r="http://schemas.openxmlformats.org/officeDocument/2006/relationships" xmlns:p="http://schemas.openxmlformats.org/presentationml/2006/main">
+  <p:cSld>
+    <p:bg>
+      <p:bgPr>
+        <a:blipFill dpi="0" rotWithShape="1">
+          <a:blip r:embed="rId2">
+            <a:lum/>
+          </a:blip>
+          <a:srcRect/>
+          <a:stretch>
+            <a:fillRect t="-39000" b="-39000"/>
+          </a:stretch>
+        </a:blipFill>
+        <a:effectLst/>
+      </p:bgPr>
+    </p:bg>
+    <p:spTree>
+      <p:nvGrpSpPr>
+        <p:cNvPr id="1" name=""/>
+        <p:cNvGrpSpPr/>
+        <p:nvPr/>
+      </p:nvGrpSpPr>
+      <p:grpSpPr>
+        <a:xfrm>
+          <a:off x="0" y="0"/>
+          <a:ext cx="0" cy="0"/>
+          <a:chOff x="0" y="0"/>
+          <a:chExt cx="0" cy="0"/>
+        </a:xfrm>
+      </p:grpSpPr>
+      <p:sp>
+        <p:nvSpPr>
+          <p:cNvPr id="2" name="Título 1"/>
+          <p:cNvSpPr>
+            <a:spLocks noGrp="1"/>
+          </p:cNvSpPr>
+          <p:nvPr>
+            <p:ph type="ctrTitle"/>
+          </p:nvPr>
+        </p:nvSpPr>
+        <p:spPr/>
+        <p:txBody>
+          <a:bodyPr>
+            <a:normAutofit/>
+          </a:bodyPr>
+          <a:lstStyle/>
+          <a:p>
+            <a:r>
+              <a:rPr lang="es-MX" sz="8800" b="1" dirty="0" smtClean="0">
+                <a:latin typeface="Impact" panose="020B0806030902050204" pitchFamily="34" charset="0"/>
+              </a:rPr>
+              <a:t>JUGAR</a:t>
+            </a:r>
+            <a:endParaRPr lang="es-MX" sz="8800" b="1" dirty="0">
+              <a:latin typeface="Impact" panose="020B0806030902050204" pitchFamily="34" charset="0"/>
+            </a:endParaRPr>
+          </a:p>
+        </p:txBody>
+      </p:sp>
+      <p:sp>
+        <p:nvSpPr>
+          <p:cNvPr id="3" name="Subtítulo 2"/>
+          <p:cNvSpPr>
+            <a:spLocks noGrp="1"/>
+          </p:cNvSpPr>
+          <p:nvPr>
+            <p:ph type="subTitle" idx="1"/>
+          </p:nvPr>
+        </p:nvSpPr>
+        <p:spPr/>
+        <p:txBody>
+          <a:bodyPr/>
+          <a:lstStyle/>
+          <a:p>
+            <a:endParaRPr lang="es-MX" dirty="0"/>
+          </a:p>
+        </p:txBody>
+      </p:sp>
+      <p:pic>
+        <p:nvPicPr>
+          <p:cNvPr id="4" name="Imagen 3"/>
+          <p:cNvPicPr>
+            <a:picLocks noChangeAspect="1"/>
+          </p:cNvPicPr>
+          <p:nvPr/>
+        </p:nvPicPr>
+        <p:blipFill>
+          <a:blip r:embed="rId3">
+            <a:extLst>
+              <a:ext uri="{28A0092B-C50C-407E-A947-70E740481C1C}">
+                <a14:useLocalDpi xmlns:a14="http://schemas.microsoft.com/office/drawing/2010/main" val="0"/>
+              </a:ext>
+            </a:extLst>
+          </a:blip>
+          <a:stretch>
+            <a:fillRect/>
+          </a:stretch>
+        </p:blipFill>
+        <p:spPr>
+          <a:xfrm>
+            <a:off x="5346519" y="3509963"/>
+            <a:ext cx="5495654" cy="3077566"/>
+          </a:xfrm>
+          <a:prstGeom prst="rect">
+            <a:avLst/>
+          </a:prstGeom>
+        </p:spPr>
+      </p:pic>
+    </p:spTree>
+    <p:extLst>
+      <p:ext uri="{BB962C8B-B14F-4D97-AF65-F5344CB8AC3E}">
+        <p14:creationId xmlns:p14="http://schemas.microsoft.com/office/powerpoint/2010/main" val="2352946915"/>
+      </p:ext>
+    </p:extLst>
+  </p:cSld>
+  <p:clrMapOvr>
+    <a:masterClrMapping/>
+  </p:clrMapOvr>
+  <mc:AlternateContent xmlns:mc="http://schemas.openxmlformats.org/markup-compatibility/2006">
+    <mc:Choice xmlns:p14="http://schemas.microsoft.com/office/powerpoint/2010/main" Requires="p14">
+      <p:transition spd="slow" p14:dur="900">
+        <p14:warp dir="in"/>
+      </p:transition>
+    </mc:Choice>
+    <mc:Fallback>
+      <p:transition spd="slow">
+        <p:fade/>
+      </p:transition>
+    </mc:Fallback>
+  </mc:AlternateContent>
+  <p:timing>
+    <p:tnLst>
+      <p:par>
+        <p:cTn id="1" dur="indefinite" restart="never" nodeType="tmRoot">
+          <p:childTnLst>
+            <p:seq concurrent="1" nextAc="seek">
+              <p:cTn id="2" dur="indefinite" nodeType="mainSeq">
+                <p:childTnLst>
+                  <p:par>
+                    <p:cTn id="3" fill="hold">
+                      <p:stCondLst>
+                        <p:cond delay="indefinite"/>
+                      </p:stCondLst>
+                      <p:childTnLst>
+                        <p:par>
+                          <p:cTn id="4" fill="hold">
+                            <p:stCondLst>
+                              <p:cond delay="0"/>
+                            </p:stCondLst>
+                            <p:childTnLst>
+                              <p:par>
+                                <p:cTn id="5" presetID="2" presetClass="entr" presetSubtype="1" fill="hold" grpId="0" nodeType="clickEffect">
+                                  <p:stCondLst>
+                                    <p:cond delay="0"/>
+                                  </p:stCondLst>
+                                  <p:childTnLst>
+                                    <p:set>
                                       <p:cBhvr>
-                                        <p:cTn id="8" dur="1000" fill="hold"/>
+                                        <p:cTn id="6" dur="1" fill="hold">
+                                          <p:stCondLst>
+                                            <p:cond delay="0"/>
+                                          </p:stCondLst>
+                                        </p:cTn>
+                                        <p:tgtEl>
+                                          <p:spTgt spid="2"/>
+                                        </p:tgtEl>
+                                        <p:attrNameLst>
+                                          <p:attrName>style.visibility</p:attrName>
+                                        </p:attrNameLst>
+                                      </p:cBhvr>
+                                      <p:to>
+                                        <p:strVal val="visible"/>
+                                      </p:to>
+                                    </p:set>
+                                    <p:anim calcmode="lin" valueType="num">
+                                      <p:cBhvr additive="base">
+                                        <p:cTn id="7" dur="500" fill="hold"/>
                                         <p:tgtEl>
                                           <p:spTgt spid="2"/>
                                         </p:tgtEl>
@@ -4047,8 +5737,8 @@
                                       </p:tavLst>
                                     </p:anim>
                                     <p:anim calcmode="lin" valueType="num">
-                                      <p:cBhvr>
-                                        <p:cTn id="9" dur="1000" fill="hold"/>
+                                      <p:cBhvr additive="base">
+                                        <p:cTn id="8" dur="500" fill="hold"/>
                                         <p:tgtEl>
                                           <p:spTgt spid="2"/>
                                         </p:tgtEl>
@@ -4059,7 +5749,98 @@
                                       <p:tavLst>
                                         <p:tav tm="0">
                                           <p:val>
-                                            <p:strVal val="#ppt_y+.1"/>
+                                            <p:strVal val="0-#ppt_h/2"/>
+                                          </p:val>
+                                        </p:tav>
+                                        <p:tav tm="100000">
+                                          <p:val>
+                                            <p:strVal val="#ppt_y"/>
+                                          </p:val>
+                                        </p:tav>
+                                      </p:tavLst>
+                                    </p:anim>
+                                  </p:childTnLst>
+                                </p:cTn>
+                              </p:par>
+                            </p:childTnLst>
+                          </p:cTn>
+                        </p:par>
+                      </p:childTnLst>
+                    </p:cTn>
+                  </p:par>
+                  <p:par>
+                    <p:cTn id="9" fill="hold">
+                      <p:stCondLst>
+                        <p:cond delay="indefinite"/>
+                      </p:stCondLst>
+                      <p:childTnLst>
+                        <p:par>
+                          <p:cTn id="10" fill="hold">
+                            <p:stCondLst>
+                              <p:cond delay="0"/>
+                            </p:stCondLst>
+                            <p:childTnLst>
+                              <p:par>
+                                <p:cTn id="11" presetID="2" presetClass="entr" presetSubtype="4" fill="hold" nodeType="clickEffect">
+                                  <p:stCondLst>
+                                    <p:cond delay="250"/>
+                                  </p:stCondLst>
+                                  <p:childTnLst>
+                                    <p:set>
+                                      <p:cBhvr>
+                                        <p:cTn id="12" dur="1" fill="hold">
+                                          <p:stCondLst>
+                                            <p:cond delay="0"/>
+                                          </p:stCondLst>
+                                        </p:cTn>
+                                        <p:tgtEl>
+                                          <p:spTgt spid="4"/>
+                                        </p:tgtEl>
+                                        <p:attrNameLst>
+                                          <p:attrName>style.visibility</p:attrName>
+                                        </p:attrNameLst>
+                                      </p:cBhvr>
+                                      <p:to>
+                                        <p:strVal val="visible"/>
+                                      </p:to>
+                                    </p:set>
+                                    <p:anim calcmode="lin" valueType="num">
+                                      <p:cBhvr additive="base">
+                                        <p:cTn id="13" dur="500" fill="hold"/>
+                                        <p:tgtEl>
+                                          <p:spTgt spid="4"/>
+                                        </p:tgtEl>
+                                        <p:attrNameLst>
+                                          <p:attrName>ppt_x</p:attrName>
+                                        </p:attrNameLst>
+                                      </p:cBhvr>
+                                      <p:tavLst>
+                                        <p:tav tm="0">
+                                          <p:val>
+                                            <p:strVal val="#ppt_x"/>
+                                          </p:val>
+                                        </p:tav>
+                                        <p:tav tm="100000">
+                                          <p:val>
+                                            <p:strVal val="#ppt_x"/>
+                                          </p:val>
+                                        </p:tav>
+                                      </p:tavLst>
+                                    </p:anim>
+                                    <p:anim calcmode="lin" valueType="num">
+                                      <p:cBhvr additive="base">
+                                        <p:cTn id="14" dur="500" fill="hold"/>
+                                        <p:tgtEl>
+                                          <p:spTgt spid="4"/>
+                                        </p:tgtEl>
+                                        <p:attrNameLst>
+                                          <p:attrName>ppt_y</p:attrName>
+                                        </p:attrNameLst>
+                                      </p:cBhvr>
+                                      <p:tavLst>
+                                        <p:tav tm="0">
+                                          <p:val>
+                                            <p:strVal val="1+#ppt_h/2"/>
                                           </p:val>
                                         </p:tav>
                                         <p:tav tm="100000">
